--- a/Dokumentation/SEP Gruppe L - Swat Engagement Pheretima.pptx
+++ b/Dokumentation/SEP Gruppe L - Swat Engagement Pheretima.pptx
@@ -8,13 +8,15 @@
     <p:sldId id="256" r:id="rId2"/>
     <p:sldId id="257" r:id="rId3"/>
     <p:sldId id="258" r:id="rId4"/>
-    <p:sldId id="259" r:id="rId5"/>
-    <p:sldId id="260" r:id="rId6"/>
-    <p:sldId id="263" r:id="rId7"/>
-    <p:sldId id="264" r:id="rId8"/>
-    <p:sldId id="261" r:id="rId9"/>
-    <p:sldId id="266" r:id="rId10"/>
-    <p:sldId id="265" r:id="rId11"/>
+    <p:sldId id="268" r:id="rId5"/>
+    <p:sldId id="272" r:id="rId6"/>
+    <p:sldId id="274" r:id="rId7"/>
+    <p:sldId id="263" r:id="rId8"/>
+    <p:sldId id="260" r:id="rId9"/>
+    <p:sldId id="264" r:id="rId10"/>
+    <p:sldId id="261" r:id="rId11"/>
+    <p:sldId id="266" r:id="rId12"/>
+    <p:sldId id="265" r:id="rId13"/>
   </p:sldIdLst>
   <p:sldSz cx="12192000" cy="6858000"/>
   <p:notesSz cx="6858000" cy="9144000"/>
@@ -113,6 +115,11 @@
       </a:defRPr>
     </a:lvl9pPr>
   </p:defaultTextStyle>
+  <p:extLst>
+    <p:ext uri="{EFAFB233-063F-42B5-8137-9DF3F51BA10A}">
+      <p15:sldGuideLst xmlns:p15="http://schemas.microsoft.com/office/powerpoint/2012/main"/>
+    </p:ext>
+  </p:extLst>
 </p:presentation>
 </file>
 
@@ -302,7 +309,7 @@
           <a:p>
             <a:fld id="{4AAD347D-5ACD-4C99-B74B-A9C85AD731AF}" type="datetimeFigureOut">
               <a:rPr lang="en-US" dirty="0"/>
-              <a:t>5/9/2018</a:t>
+              <a:t>5/10/2018</a:t>
             </a:fld>
             <a:endParaRPr lang="en-US" dirty="0"/>
           </a:p>
@@ -572,7 +579,7 @@
           <a:p>
             <a:fld id="{4509A250-FF31-4206-8172-F9D3106AACB1}" type="datetimeFigureOut">
               <a:rPr lang="en-US" dirty="0"/>
-              <a:t>5/9/2018</a:t>
+              <a:t>5/10/2018</a:t>
             </a:fld>
             <a:endParaRPr lang="en-US" dirty="0"/>
           </a:p>
@@ -761,7 +768,7 @@
           <a:p>
             <a:fld id="{4509A250-FF31-4206-8172-F9D3106AACB1}" type="datetimeFigureOut">
               <a:rPr lang="en-US" dirty="0"/>
-              <a:t>5/9/2018</a:t>
+              <a:t>5/10/2018</a:t>
             </a:fld>
             <a:endParaRPr lang="en-US" dirty="0"/>
           </a:p>
@@ -1029,7 +1036,7 @@
           <a:p>
             <a:fld id="{4509A250-FF31-4206-8172-F9D3106AACB1}" type="datetimeFigureOut">
               <a:rPr lang="en-US" dirty="0"/>
-              <a:t>5/9/2018</a:t>
+              <a:t>5/10/2018</a:t>
             </a:fld>
             <a:endParaRPr lang="en-US" dirty="0"/>
           </a:p>
@@ -1365,7 +1372,7 @@
           <a:p>
             <a:fld id="{4509A250-FF31-4206-8172-F9D3106AACB1}" type="datetimeFigureOut">
               <a:rPr lang="en-US" dirty="0"/>
-              <a:t>5/9/2018</a:t>
+              <a:t>5/10/2018</a:t>
             </a:fld>
             <a:endParaRPr lang="en-US" dirty="0"/>
           </a:p>
@@ -1983,7 +1990,7 @@
           <a:p>
             <a:fld id="{4509A250-FF31-4206-8172-F9D3106AACB1}" type="datetimeFigureOut">
               <a:rPr lang="en-US" dirty="0"/>
-              <a:t>5/9/2018</a:t>
+              <a:t>5/10/2018</a:t>
             </a:fld>
             <a:endParaRPr lang="en-US" dirty="0"/>
           </a:p>
@@ -2838,7 +2845,7 @@
           <a:p>
             <a:fld id="{4509A250-FF31-4206-8172-F9D3106AACB1}" type="datetimeFigureOut">
               <a:rPr lang="en-US" dirty="0"/>
-              <a:t>5/9/2018</a:t>
+              <a:t>5/10/2018</a:t>
             </a:fld>
             <a:endParaRPr lang="en-US" dirty="0"/>
           </a:p>
@@ -3003,7 +3010,7 @@
           <a:p>
             <a:fld id="{4509A250-FF31-4206-8172-F9D3106AACB1}" type="datetimeFigureOut">
               <a:rPr lang="en-US" dirty="0"/>
-              <a:t>5/9/2018</a:t>
+              <a:t>5/10/2018</a:t>
             </a:fld>
             <a:endParaRPr lang="en-US" dirty="0"/>
           </a:p>
@@ -3178,7 +3185,7 @@
           <a:p>
             <a:fld id="{4509A250-FF31-4206-8172-F9D3106AACB1}" type="datetimeFigureOut">
               <a:rPr lang="en-US" dirty="0"/>
-              <a:t>5/9/2018</a:t>
+              <a:t>5/10/2018</a:t>
             </a:fld>
             <a:endParaRPr lang="en-US" dirty="0"/>
           </a:p>
@@ -3343,7 +3350,7 @@
           <a:p>
             <a:fld id="{4509A250-FF31-4206-8172-F9D3106AACB1}" type="datetimeFigureOut">
               <a:rPr lang="en-US" dirty="0"/>
-              <a:t>5/9/2018</a:t>
+              <a:t>5/10/2018</a:t>
             </a:fld>
             <a:endParaRPr lang="en-US" dirty="0"/>
           </a:p>
@@ -3585,7 +3592,7 @@
           <a:p>
             <a:fld id="{9796027F-7875-4030-9381-8BD8C4F21935}" type="datetimeFigureOut">
               <a:rPr lang="en-US" dirty="0"/>
-              <a:t>5/9/2018</a:t>
+              <a:t>5/10/2018</a:t>
             </a:fld>
             <a:endParaRPr lang="en-US" dirty="0"/>
           </a:p>
@@ -3872,7 +3879,7 @@
           <a:p>
             <a:fld id="{9796027F-7875-4030-9381-8BD8C4F21935}" type="datetimeFigureOut">
               <a:rPr lang="en-US" dirty="0"/>
-              <a:t>5/9/2018</a:t>
+              <a:t>5/10/2018</a:t>
             </a:fld>
             <a:endParaRPr lang="en-US" dirty="0"/>
           </a:p>
@@ -4311,7 +4318,7 @@
           <a:p>
             <a:fld id="{9796027F-7875-4030-9381-8BD8C4F21935}" type="datetimeFigureOut">
               <a:rPr lang="en-US" dirty="0"/>
-              <a:t>5/9/2018</a:t>
+              <a:t>5/10/2018</a:t>
             </a:fld>
             <a:endParaRPr lang="en-US" dirty="0"/>
           </a:p>
@@ -4424,7 +4431,7 @@
           <a:p>
             <a:fld id="{4509A250-FF31-4206-8172-F9D3106AACB1}" type="datetimeFigureOut">
               <a:rPr lang="en-US" dirty="0"/>
-              <a:t>5/9/2018</a:t>
+              <a:t>5/10/2018</a:t>
             </a:fld>
             <a:endParaRPr lang="en-US" dirty="0"/>
           </a:p>
@@ -4514,7 +4521,7 @@
           <a:p>
             <a:fld id="{4509A250-FF31-4206-8172-F9D3106AACB1}" type="datetimeFigureOut">
               <a:rPr lang="en-US" dirty="0"/>
-              <a:t>5/9/2018</a:t>
+              <a:t>5/10/2018</a:t>
             </a:fld>
             <a:endParaRPr lang="en-US" dirty="0"/>
           </a:p>
@@ -4788,7 +4795,7 @@
           <a:p>
             <a:fld id="{4509A250-FF31-4206-8172-F9D3106AACB1}" type="datetimeFigureOut">
               <a:rPr lang="en-US" dirty="0"/>
-              <a:t>5/9/2018</a:t>
+              <a:t>5/10/2018</a:t>
             </a:fld>
             <a:endParaRPr lang="en-US" dirty="0"/>
           </a:p>
@@ -5058,7 +5065,7 @@
           <a:p>
             <a:fld id="{4509A250-FF31-4206-8172-F9D3106AACB1}" type="datetimeFigureOut">
               <a:rPr lang="en-US" dirty="0"/>
-              <a:t>5/9/2018</a:t>
+              <a:t>5/10/2018</a:t>
             </a:fld>
             <a:endParaRPr lang="en-US" dirty="0"/>
           </a:p>
@@ -5482,7 +5489,7 @@
           <a:p>
             <a:fld id="{4AAD347D-5ACD-4C99-B74B-A9C85AD731AF}" type="datetimeFigureOut">
               <a:rPr lang="en-US" dirty="0"/>
-              <a:t>5/9/2018</a:t>
+              <a:t>5/10/2018</a:t>
             </a:fld>
             <a:endParaRPr lang="en-US" dirty="0"/>
           </a:p>
@@ -6156,6 +6163,181 @@
           <p:cNvPr id="2" name="Titel 1">
             <a:extLst>
               <a:ext uri="{FF2B5EF4-FFF2-40B4-BE49-F238E27FC236}">
+                <a16:creationId xmlns:a16="http://schemas.microsoft.com/office/drawing/2014/main" id="{1780D984-A514-4407-9170-F88A80755535}"/>
+              </a:ext>
+            </a:extLst>
+          </p:cNvPr>
+          <p:cNvSpPr>
+            <a:spLocks noGrp="1"/>
+          </p:cNvSpPr>
+          <p:nvPr>
+            <p:ph type="title"/>
+          </p:nvPr>
+        </p:nvSpPr>
+        <p:spPr/>
+        <p:txBody>
+          <a:bodyPr/>
+          <a:lstStyle/>
+          <a:p>
+            <a:r>
+              <a:rPr lang="de-DE" dirty="0" err="1"/>
+              <a:t>hMSC</a:t>
+            </a:r>
+            <a:endParaRPr lang="de-DE" dirty="0"/>
+          </a:p>
+        </p:txBody>
+      </p:sp>
+      <p:pic>
+        <p:nvPicPr>
+          <p:cNvPr id="5" name="Inhaltsplatzhalter 4">
+            <a:extLst>
+              <a:ext uri="{FF2B5EF4-FFF2-40B4-BE49-F238E27FC236}">
+                <a16:creationId xmlns:a16="http://schemas.microsoft.com/office/drawing/2014/main" id="{A24C39DC-3302-4F72-A65A-F36ED8FF6C90}"/>
+              </a:ext>
+            </a:extLst>
+          </p:cNvPr>
+          <p:cNvPicPr>
+            <a:picLocks noGrp="1" noChangeAspect="1"/>
+          </p:cNvPicPr>
+          <p:nvPr>
+            <p:ph idx="1"/>
+          </p:nvPr>
+        </p:nvPicPr>
+        <p:blipFill>
+          <a:blip r:embed="rId2"/>
+          <a:stretch>
+            <a:fillRect/>
+          </a:stretch>
+        </p:blipFill>
+        <p:spPr>
+          <a:xfrm>
+            <a:off x="3783599" y="617149"/>
+            <a:ext cx="4813645" cy="5631251"/>
+          </a:xfrm>
+        </p:spPr>
+      </p:pic>
+    </p:spTree>
+    <p:extLst>
+      <p:ext uri="{BB962C8B-B14F-4D97-AF65-F5344CB8AC3E}">
+        <p14:creationId xmlns:p14="http://schemas.microsoft.com/office/powerpoint/2010/main" val="492136441"/>
+      </p:ext>
+    </p:extLst>
+  </p:cSld>
+  <p:clrMapOvr>
+    <a:masterClrMapping/>
+  </p:clrMapOvr>
+</p:sld>
+</file>
+
+<file path=ppt/slides/slide11.xml><?xml version="1.0" encoding="utf-8"?>
+<p:sld xmlns:a="http://schemas.openxmlformats.org/drawingml/2006/main" xmlns:r="http://schemas.openxmlformats.org/officeDocument/2006/relationships" xmlns:p="http://schemas.openxmlformats.org/presentationml/2006/main">
+  <p:cSld>
+    <p:spTree>
+      <p:nvGrpSpPr>
+        <p:cNvPr id="1" name=""/>
+        <p:cNvGrpSpPr/>
+        <p:nvPr/>
+      </p:nvGrpSpPr>
+      <p:grpSpPr>
+        <a:xfrm>
+          <a:off x="0" y="0"/>
+          <a:ext cx="0" cy="0"/>
+          <a:chOff x="0" y="0"/>
+          <a:chExt cx="0" cy="0"/>
+        </a:xfrm>
+      </p:grpSpPr>
+      <p:sp>
+        <p:nvSpPr>
+          <p:cNvPr id="2" name="Titel 1">
+            <a:extLst>
+              <a:ext uri="{FF2B5EF4-FFF2-40B4-BE49-F238E27FC236}">
+                <a16:creationId xmlns:a16="http://schemas.microsoft.com/office/drawing/2014/main" id="{B80F63F0-4926-4EA5-A656-FF9BEDBA5C74}"/>
+              </a:ext>
+            </a:extLst>
+          </p:cNvPr>
+          <p:cNvSpPr>
+            <a:spLocks noGrp="1"/>
+          </p:cNvSpPr>
+          <p:nvPr>
+            <p:ph type="title"/>
+          </p:nvPr>
+        </p:nvSpPr>
+        <p:spPr/>
+        <p:txBody>
+          <a:bodyPr/>
+          <a:lstStyle/>
+          <a:p>
+            <a:r>
+              <a:rPr lang="de-DE" dirty="0"/>
+              <a:t>Spiel Vorstellung</a:t>
+            </a:r>
+          </a:p>
+        </p:txBody>
+      </p:sp>
+      <p:pic>
+        <p:nvPicPr>
+          <p:cNvPr id="11" name="Inhaltsplatzhalter 10">
+            <a:extLst>
+              <a:ext uri="{FF2B5EF4-FFF2-40B4-BE49-F238E27FC236}">
+                <a16:creationId xmlns:a16="http://schemas.microsoft.com/office/drawing/2014/main" id="{590D4940-9C85-4D1C-BA2C-8BD18689616B}"/>
+              </a:ext>
+            </a:extLst>
+          </p:cNvPr>
+          <p:cNvPicPr>
+            <a:picLocks noGrp="1" noChangeAspect="1"/>
+          </p:cNvPicPr>
+          <p:nvPr>
+            <p:ph idx="1"/>
+          </p:nvPr>
+        </p:nvPicPr>
+        <p:blipFill>
+          <a:blip r:embed="rId2"/>
+          <a:stretch>
+            <a:fillRect/>
+          </a:stretch>
+        </p:blipFill>
+        <p:spPr>
+          <a:xfrm>
+            <a:off x="2380117" y="1318888"/>
+            <a:ext cx="7431765" cy="5161559"/>
+          </a:xfrm>
+        </p:spPr>
+      </p:pic>
+    </p:spTree>
+    <p:extLst>
+      <p:ext uri="{BB962C8B-B14F-4D97-AF65-F5344CB8AC3E}">
+        <p14:creationId xmlns:p14="http://schemas.microsoft.com/office/powerpoint/2010/main" val="439512913"/>
+      </p:ext>
+    </p:extLst>
+  </p:cSld>
+  <p:clrMapOvr>
+    <a:masterClrMapping/>
+  </p:clrMapOvr>
+</p:sld>
+</file>
+
+<file path=ppt/slides/slide12.xml><?xml version="1.0" encoding="utf-8"?>
+<p:sld xmlns:a="http://schemas.openxmlformats.org/drawingml/2006/main" xmlns:r="http://schemas.openxmlformats.org/officeDocument/2006/relationships" xmlns:p="http://schemas.openxmlformats.org/presentationml/2006/main">
+  <p:cSld>
+    <p:spTree>
+      <p:nvGrpSpPr>
+        <p:cNvPr id="1" name=""/>
+        <p:cNvGrpSpPr/>
+        <p:nvPr/>
+      </p:nvGrpSpPr>
+      <p:grpSpPr>
+        <a:xfrm>
+          <a:off x="0" y="0"/>
+          <a:ext cx="0" cy="0"/>
+          <a:chOff x="0" y="0"/>
+          <a:chExt cx="0" cy="0"/>
+        </a:xfrm>
+      </p:grpSpPr>
+      <p:sp>
+        <p:nvSpPr>
+          <p:cNvPr id="2" name="Titel 1">
+            <a:extLst>
+              <a:ext uri="{FF2B5EF4-FFF2-40B4-BE49-F238E27FC236}">
                 <a16:creationId xmlns:a16="http://schemas.microsoft.com/office/drawing/2014/main" id="{39BEC677-DB9C-4DF2-BA9C-39E661CA1F6E}"/>
               </a:ext>
             </a:extLst>
@@ -6202,11 +6384,17 @@
           <a:p>
             <a:r>
               <a:rPr lang="de-DE" dirty="0"/>
-              <a:t>Julian Flieter – </a:t>
+              <a:t>Julian Flieter – CollisionHandler, SEPGame, GameCamera</a:t>
+            </a:r>
+          </a:p>
+          <a:p>
+            <a:r>
+              <a:rPr lang="de-DE" dirty="0"/>
+              <a:t>Tarik Karaca – </a:t>
             </a:r>
             <a:r>
               <a:rPr lang="de-DE" dirty="0" err="1"/>
-              <a:t>CollisionHandler</a:t>
+              <a:t>PlayScreen</a:t>
             </a:r>
             <a:r>
               <a:rPr lang="de-DE" dirty="0"/>
@@ -6214,7 +6402,18 @@
             </a:r>
             <a:r>
               <a:rPr lang="de-DE" dirty="0" err="1"/>
-              <a:t>SEPGame</a:t>
+              <a:t>AnimatedSprite</a:t>
+            </a:r>
+            <a:endParaRPr lang="de-DE" dirty="0"/>
+          </a:p>
+          <a:p>
+            <a:r>
+              <a:rPr lang="de-DE" dirty="0"/>
+              <a:t>Ibrahim Kekec – </a:t>
+            </a:r>
+            <a:r>
+              <a:rPr lang="de-DE" dirty="0" err="1"/>
+              <a:t>GameOverScreen</a:t>
             </a:r>
             <a:r>
               <a:rPr lang="de-DE" dirty="0"/>
@@ -6222,24 +6421,27 @@
             </a:r>
             <a:r>
               <a:rPr lang="de-DE" dirty="0" err="1"/>
-              <a:t>GameState</a:t>
+              <a:t>ShotDirectionIndicator</a:t>
             </a:r>
             <a:endParaRPr lang="de-DE" dirty="0"/>
           </a:p>
           <a:p>
+            <a:pPr algn="just"/>
             <a:r>
               <a:rPr lang="de-DE" dirty="0"/>
-              <a:t>Tarik Karaca </a:t>
-            </a:r>
-          </a:p>
-          <a:p>
+              <a:t>Steve Nemangou – Ground, </a:t>
+            </a:r>
+            <a:r>
+              <a:rPr lang="de-DE" dirty="0" err="1"/>
+              <a:t>Projectile</a:t>
+            </a:r>
             <a:r>
               <a:rPr lang="de-DE" dirty="0"/>
-              <a:t>Ibrahim </a:t>
+              <a:t>, </a:t>
             </a:r>
             <a:r>
               <a:rPr lang="de-DE" dirty="0" err="1"/>
-              <a:t>Kekec</a:t>
+              <a:t>PlayUILayer</a:t>
             </a:r>
             <a:endParaRPr lang="de-DE" dirty="0"/>
           </a:p>
@@ -6247,28 +6449,13 @@
             <a:pPr algn="just"/>
             <a:r>
               <a:rPr lang="de-DE" dirty="0"/>
-              <a:t>Steve Gabin </a:t>
+              <a:t>Jan Voigtländer – Worm, </a:t>
             </a:r>
             <a:r>
               <a:rPr lang="de-DE" dirty="0" err="1"/>
-              <a:t>Nemangou</a:t>
-            </a:r>
-            <a:r>
-              <a:rPr lang="de-DE" dirty="0"/>
-              <a:t> </a:t>
-            </a:r>
-            <a:r>
-              <a:rPr lang="de-DE" dirty="0" err="1"/>
-              <a:t>Tchatchou</a:t>
+              <a:t>HealthBar</a:t>
             </a:r>
             <a:endParaRPr lang="de-DE" dirty="0"/>
-          </a:p>
-          <a:p>
-            <a:pPr algn="just"/>
-            <a:r>
-              <a:rPr lang="de-DE" dirty="0"/>
-              <a:t>Jan Voigtländer</a:t>
-            </a:r>
           </a:p>
           <a:p>
             <a:endParaRPr lang="de-DE" dirty="0"/>
@@ -6359,13 +6546,13 @@
           <a:p>
             <a:r>
               <a:rPr lang="de-DE" dirty="0"/>
-              <a:t>1. User Stories</a:t>
+              <a:t>1. User Stories &amp; Szenarien</a:t>
             </a:r>
           </a:p>
           <a:p>
             <a:r>
               <a:rPr lang="de-DE" dirty="0"/>
-              <a:t>2. Szenarien</a:t>
+              <a:t>2. bMSC</a:t>
             </a:r>
           </a:p>
           <a:p>
@@ -6375,31 +6562,20 @@
             </a:r>
             <a:r>
               <a:rPr lang="de-DE" dirty="0" err="1"/>
-              <a:t>bMSC</a:t>
+              <a:t>hMSC</a:t>
             </a:r>
             <a:endParaRPr lang="de-DE" dirty="0"/>
           </a:p>
           <a:p>
             <a:r>
               <a:rPr lang="de-DE" dirty="0"/>
-              <a:t>4. </a:t>
-            </a:r>
-            <a:r>
-              <a:rPr lang="de-DE" dirty="0" err="1"/>
-              <a:t>hMSC</a:t>
-            </a:r>
-            <a:endParaRPr lang="de-DE" dirty="0"/>
+              <a:t>4. Spiel Vorstellung</a:t>
+            </a:r>
           </a:p>
           <a:p>
             <a:r>
               <a:rPr lang="de-DE" dirty="0"/>
-              <a:t>5. Spiel Vorstellung</a:t>
-            </a:r>
-          </a:p>
-          <a:p>
-            <a:r>
-              <a:rPr lang="de-DE" dirty="0"/>
-              <a:t>6. Code Review</a:t>
+              <a:t>5. Code Review</a:t>
             </a:r>
           </a:p>
           <a:p>
@@ -6460,36 +6636,732 @@
           <a:p>
             <a:r>
               <a:rPr lang="de-DE" dirty="0"/>
-              <a:t>User Stories</a:t>
-            </a:r>
-          </a:p>
-        </p:txBody>
-      </p:sp>
-      <p:sp>
-        <p:nvSpPr>
-          <p:cNvPr id="3" name="Inhaltsplatzhalter 2">
+              <a:t>User Stories &amp; Szenarien</a:t>
+            </a:r>
+          </a:p>
+        </p:txBody>
+      </p:sp>
+      <p:graphicFrame>
+        <p:nvGraphicFramePr>
+          <p:cNvPr id="4" name="Inhaltsplatzhalter 3">
             <a:extLst>
               <a:ext uri="{FF2B5EF4-FFF2-40B4-BE49-F238E27FC236}">
-                <a16:creationId xmlns:a16="http://schemas.microsoft.com/office/drawing/2014/main" id="{77972A71-16AA-4825-9F25-6A27894A0499}"/>
+                <a16:creationId xmlns:a16="http://schemas.microsoft.com/office/drawing/2014/main" id="{D51BF41A-DF78-4C17-8FAC-D848276C81B7}"/>
               </a:ext>
             </a:extLst>
           </p:cNvPr>
-          <p:cNvSpPr>
-            <a:spLocks noGrp="1"/>
-          </p:cNvSpPr>
+          <p:cNvGraphicFramePr>
+            <a:graphicFrameLocks noGrp="1"/>
+          </p:cNvGraphicFramePr>
           <p:nvPr>
             <p:ph idx="1"/>
-          </p:nvPr>
-        </p:nvSpPr>
-        <p:spPr/>
-        <p:txBody>
-          <a:bodyPr/>
-          <a:lstStyle/>
-          <a:p>
-            <a:endParaRPr lang="de-DE" dirty="0"/>
-          </a:p>
-        </p:txBody>
-      </p:sp>
+            <p:extLst>
+              <p:ext uri="{D42A27DB-BD31-4B8C-83A1-F6EECF244321}">
+                <p14:modId xmlns:p14="http://schemas.microsoft.com/office/powerpoint/2010/main" val="3204310370"/>
+              </p:ext>
+            </p:extLst>
+          </p:nvPr>
+        </p:nvGraphicFramePr>
+        <p:xfrm>
+          <a:off x="3034678" y="1744296"/>
+          <a:ext cx="5822971" cy="4240467"/>
+        </p:xfrm>
+        <a:graphic>
+          <a:graphicData uri="http://schemas.openxmlformats.org/drawingml/2006/table">
+            <a:tbl>
+              <a:tblPr firstRow="1" firstCol="1" bandRow="1">
+                <a:tableStyleId>{5C22544A-7EE6-4342-B048-85BDC9FD1C3A}</a:tableStyleId>
+              </a:tblPr>
+              <a:tblGrid>
+                <a:gridCol w="1312175">
+                  <a:extLst>
+                    <a:ext uri="{9D8B030D-6E8A-4147-A177-3AD203B41FA5}">
+                      <a16:colId xmlns:a16="http://schemas.microsoft.com/office/drawing/2014/main" val="3847756422"/>
+                    </a:ext>
+                  </a:extLst>
+                </a:gridCol>
+                <a:gridCol w="4510796">
+                  <a:extLst>
+                    <a:ext uri="{9D8B030D-6E8A-4147-A177-3AD203B41FA5}">
+                      <a16:colId xmlns:a16="http://schemas.microsoft.com/office/drawing/2014/main" val="3578038112"/>
+                    </a:ext>
+                  </a:extLst>
+                </a:gridCol>
+              </a:tblGrid>
+              <a:tr h="169272">
+                <a:tc>
+                  <a:txBody>
+                    <a:bodyPr/>
+                    <a:lstStyle/>
+                    <a:p>
+                      <a:pPr>
+                        <a:lnSpc>
+                          <a:spcPct val="107000"/>
+                        </a:lnSpc>
+                        <a:spcAft>
+                          <a:spcPts val="0"/>
+                        </a:spcAft>
+                        <a:tabLst>
+                          <a:tab pos="1203960" algn="r"/>
+                        </a:tabLst>
+                      </a:pPr>
+                      <a:r>
+                        <a:rPr lang="de-DE" sz="1100">
+                          <a:effectLst/>
+                        </a:rPr>
+                        <a:t>User Story-ID</a:t>
+                      </a:r>
+                      <a:endParaRPr lang="de-DE" sz="1100">
+                        <a:effectLst/>
+                        <a:latin typeface="Calibri" panose="020F0502020204030204" pitchFamily="34" charset="0"/>
+                        <a:ea typeface="Calibri" panose="020F0502020204030204" pitchFamily="34" charset="0"/>
+                        <a:cs typeface="Times New Roman" panose="02020603050405020304" pitchFamily="18" charset="0"/>
+                      </a:endParaRPr>
+                    </a:p>
+                  </a:txBody>
+                  <a:tcPr marL="67709" marR="67709" marT="0" marB="0"/>
+                </a:tc>
+                <a:tc>
+                  <a:txBody>
+                    <a:bodyPr/>
+                    <a:lstStyle/>
+                    <a:p>
+                      <a:pPr>
+                        <a:lnSpc>
+                          <a:spcPct val="107000"/>
+                        </a:lnSpc>
+                        <a:spcAft>
+                          <a:spcPts val="0"/>
+                        </a:spcAft>
+                      </a:pPr>
+                      <a:r>
+                        <a:rPr lang="de-DE" sz="1100">
+                          <a:effectLst/>
+                        </a:rPr>
+                        <a:t>Bewegung</a:t>
+                      </a:r>
+                      <a:endParaRPr lang="de-DE" sz="1100">
+                        <a:effectLst/>
+                        <a:latin typeface="Calibri" panose="020F0502020204030204" pitchFamily="34" charset="0"/>
+                        <a:ea typeface="Calibri" panose="020F0502020204030204" pitchFamily="34" charset="0"/>
+                        <a:cs typeface="Times New Roman" panose="02020603050405020304" pitchFamily="18" charset="0"/>
+                      </a:endParaRPr>
+                    </a:p>
+                  </a:txBody>
+                  <a:tcPr marL="67709" marR="67709" marT="0" marB="0"/>
+                </a:tc>
+                <a:extLst>
+                  <a:ext uri="{0D108BD9-81ED-4DB2-BD59-A6C34878D82A}">
+                    <a16:rowId xmlns:a16="http://schemas.microsoft.com/office/drawing/2014/main" val="1526928689"/>
+                  </a:ext>
+                </a:extLst>
+              </a:tr>
+              <a:tr h="346382">
+                <a:tc>
+                  <a:txBody>
+                    <a:bodyPr/>
+                    <a:lstStyle/>
+                    <a:p>
+                      <a:pPr>
+                        <a:lnSpc>
+                          <a:spcPct val="107000"/>
+                        </a:lnSpc>
+                        <a:spcAft>
+                          <a:spcPts val="0"/>
+                        </a:spcAft>
+                      </a:pPr>
+                      <a:r>
+                        <a:rPr lang="de-DE" sz="1100">
+                          <a:effectLst/>
+                        </a:rPr>
+                        <a:t>User Story-Beschreibung</a:t>
+                      </a:r>
+                      <a:endParaRPr lang="de-DE" sz="1100">
+                        <a:effectLst/>
+                        <a:latin typeface="Calibri" panose="020F0502020204030204" pitchFamily="34" charset="0"/>
+                        <a:ea typeface="Calibri" panose="020F0502020204030204" pitchFamily="34" charset="0"/>
+                        <a:cs typeface="Times New Roman" panose="02020603050405020304" pitchFamily="18" charset="0"/>
+                      </a:endParaRPr>
+                    </a:p>
+                  </a:txBody>
+                  <a:tcPr marL="67709" marR="67709" marT="0" marB="0"/>
+                </a:tc>
+                <a:tc>
+                  <a:txBody>
+                    <a:bodyPr/>
+                    <a:lstStyle/>
+                    <a:p>
+                      <a:pPr>
+                        <a:lnSpc>
+                          <a:spcPct val="107000"/>
+                        </a:lnSpc>
+                        <a:spcAft>
+                          <a:spcPts val="0"/>
+                        </a:spcAft>
+                      </a:pPr>
+                      <a:r>
+                        <a:rPr lang="de-DE" sz="1100">
+                          <a:effectLst/>
+                        </a:rPr>
+                        <a:t>Als Spieler möchte ich meinen Charakter steuern können, sodass er sich auf der Landschaft frei bewegen kann.</a:t>
+                      </a:r>
+                      <a:endParaRPr lang="de-DE" sz="1100">
+                        <a:effectLst/>
+                        <a:latin typeface="Calibri" panose="020F0502020204030204" pitchFamily="34" charset="0"/>
+                        <a:ea typeface="Calibri" panose="020F0502020204030204" pitchFamily="34" charset="0"/>
+                        <a:cs typeface="Times New Roman" panose="02020603050405020304" pitchFamily="18" charset="0"/>
+                      </a:endParaRPr>
+                    </a:p>
+                  </a:txBody>
+                  <a:tcPr marL="67709" marR="67709" marT="0" marB="0"/>
+                </a:tc>
+                <a:extLst>
+                  <a:ext uri="{0D108BD9-81ED-4DB2-BD59-A6C34878D82A}">
+                    <a16:rowId xmlns:a16="http://schemas.microsoft.com/office/drawing/2014/main" val="2469862044"/>
+                  </a:ext>
+                </a:extLst>
+              </a:tr>
+              <a:tr h="523491">
+                <a:tc>
+                  <a:txBody>
+                    <a:bodyPr/>
+                    <a:lstStyle/>
+                    <a:p>
+                      <a:pPr>
+                        <a:lnSpc>
+                          <a:spcPct val="107000"/>
+                        </a:lnSpc>
+                        <a:spcAft>
+                          <a:spcPts val="0"/>
+                        </a:spcAft>
+                      </a:pPr>
+                      <a:r>
+                        <a:rPr lang="de-DE" sz="1100">
+                          <a:effectLst/>
+                        </a:rPr>
+                        <a:t>Geschätzter Realisierungsaufwand</a:t>
+                      </a:r>
+                      <a:endParaRPr lang="de-DE" sz="1100">
+                        <a:effectLst/>
+                        <a:latin typeface="Calibri" panose="020F0502020204030204" pitchFamily="34" charset="0"/>
+                        <a:ea typeface="Calibri" panose="020F0502020204030204" pitchFamily="34" charset="0"/>
+                        <a:cs typeface="Times New Roman" panose="02020603050405020304" pitchFamily="18" charset="0"/>
+                      </a:endParaRPr>
+                    </a:p>
+                  </a:txBody>
+                  <a:tcPr marL="67709" marR="67709" marT="0" marB="0"/>
+                </a:tc>
+                <a:tc>
+                  <a:txBody>
+                    <a:bodyPr/>
+                    <a:lstStyle/>
+                    <a:p>
+                      <a:pPr>
+                        <a:lnSpc>
+                          <a:spcPct val="107000"/>
+                        </a:lnSpc>
+                        <a:spcAft>
+                          <a:spcPts val="0"/>
+                        </a:spcAft>
+                      </a:pPr>
+                      <a:r>
+                        <a:rPr lang="de-DE" sz="1100">
+                          <a:effectLst/>
+                        </a:rPr>
+                        <a:t>Mittel</a:t>
+                      </a:r>
+                      <a:endParaRPr lang="de-DE" sz="1100">
+                        <a:effectLst/>
+                        <a:latin typeface="Calibri" panose="020F0502020204030204" pitchFamily="34" charset="0"/>
+                        <a:ea typeface="Calibri" panose="020F0502020204030204" pitchFamily="34" charset="0"/>
+                        <a:cs typeface="Times New Roman" panose="02020603050405020304" pitchFamily="18" charset="0"/>
+                      </a:endParaRPr>
+                    </a:p>
+                  </a:txBody>
+                  <a:tcPr marL="67709" marR="67709" marT="0" marB="0"/>
+                </a:tc>
+                <a:extLst>
+                  <a:ext uri="{0D108BD9-81ED-4DB2-BD59-A6C34878D82A}">
+                    <a16:rowId xmlns:a16="http://schemas.microsoft.com/office/drawing/2014/main" val="2481168274"/>
+                  </a:ext>
+                </a:extLst>
+              </a:tr>
+              <a:tr h="169272">
+                <a:tc>
+                  <a:txBody>
+                    <a:bodyPr/>
+                    <a:lstStyle/>
+                    <a:p>
+                      <a:pPr>
+                        <a:lnSpc>
+                          <a:spcPct val="107000"/>
+                        </a:lnSpc>
+                        <a:spcAft>
+                          <a:spcPts val="0"/>
+                        </a:spcAft>
+                      </a:pPr>
+                      <a:r>
+                        <a:rPr lang="de-DE" sz="1100">
+                          <a:effectLst/>
+                        </a:rPr>
+                        <a:t>Priorität</a:t>
+                      </a:r>
+                      <a:endParaRPr lang="de-DE" sz="1100">
+                        <a:effectLst/>
+                        <a:latin typeface="Calibri" panose="020F0502020204030204" pitchFamily="34" charset="0"/>
+                        <a:ea typeface="Calibri" panose="020F0502020204030204" pitchFamily="34" charset="0"/>
+                        <a:cs typeface="Times New Roman" panose="02020603050405020304" pitchFamily="18" charset="0"/>
+                      </a:endParaRPr>
+                    </a:p>
+                  </a:txBody>
+                  <a:tcPr marL="67709" marR="67709" marT="0" marB="0"/>
+                </a:tc>
+                <a:tc>
+                  <a:txBody>
+                    <a:bodyPr/>
+                    <a:lstStyle/>
+                    <a:p>
+                      <a:pPr>
+                        <a:lnSpc>
+                          <a:spcPct val="107000"/>
+                        </a:lnSpc>
+                        <a:spcAft>
+                          <a:spcPts val="0"/>
+                        </a:spcAft>
+                      </a:pPr>
+                      <a:r>
+                        <a:rPr lang="de-DE" sz="1100">
+                          <a:effectLst/>
+                        </a:rPr>
+                        <a:t>Hoch</a:t>
+                      </a:r>
+                      <a:endParaRPr lang="de-DE" sz="1100">
+                        <a:effectLst/>
+                        <a:latin typeface="Calibri" panose="020F0502020204030204" pitchFamily="34" charset="0"/>
+                        <a:ea typeface="Calibri" panose="020F0502020204030204" pitchFamily="34" charset="0"/>
+                        <a:cs typeface="Times New Roman" panose="02020603050405020304" pitchFamily="18" charset="0"/>
+                      </a:endParaRPr>
+                    </a:p>
+                  </a:txBody>
+                  <a:tcPr marL="67709" marR="67709" marT="0" marB="0"/>
+                </a:tc>
+                <a:extLst>
+                  <a:ext uri="{0D108BD9-81ED-4DB2-BD59-A6C34878D82A}">
+                    <a16:rowId xmlns:a16="http://schemas.microsoft.com/office/drawing/2014/main" val="606615796"/>
+                  </a:ext>
+                </a:extLst>
+              </a:tr>
+              <a:tr h="169272">
+                <a:tc>
+                  <a:txBody>
+                    <a:bodyPr/>
+                    <a:lstStyle/>
+                    <a:p>
+                      <a:pPr>
+                        <a:lnSpc>
+                          <a:spcPct val="107000"/>
+                        </a:lnSpc>
+                        <a:spcAft>
+                          <a:spcPts val="0"/>
+                        </a:spcAft>
+                      </a:pPr>
+                      <a:r>
+                        <a:rPr lang="de-DE" sz="1100">
+                          <a:effectLst/>
+                        </a:rPr>
+                        <a:t>Autor(en)</a:t>
+                      </a:r>
+                      <a:endParaRPr lang="de-DE" sz="1100">
+                        <a:effectLst/>
+                        <a:latin typeface="Calibri" panose="020F0502020204030204" pitchFamily="34" charset="0"/>
+                        <a:ea typeface="Calibri" panose="020F0502020204030204" pitchFamily="34" charset="0"/>
+                        <a:cs typeface="Times New Roman" panose="02020603050405020304" pitchFamily="18" charset="0"/>
+                      </a:endParaRPr>
+                    </a:p>
+                  </a:txBody>
+                  <a:tcPr marL="67709" marR="67709" marT="0" marB="0"/>
+                </a:tc>
+                <a:tc>
+                  <a:txBody>
+                    <a:bodyPr/>
+                    <a:lstStyle/>
+                    <a:p>
+                      <a:pPr>
+                        <a:lnSpc>
+                          <a:spcPct val="107000"/>
+                        </a:lnSpc>
+                        <a:spcAft>
+                          <a:spcPts val="0"/>
+                        </a:spcAft>
+                      </a:pPr>
+                      <a:r>
+                        <a:rPr lang="de-DE" sz="1100">
+                          <a:effectLst/>
+                        </a:rPr>
+                        <a:t>Jan Voigtländer</a:t>
+                      </a:r>
+                      <a:endParaRPr lang="de-DE" sz="1100">
+                        <a:effectLst/>
+                        <a:latin typeface="Calibri" panose="020F0502020204030204" pitchFamily="34" charset="0"/>
+                        <a:ea typeface="Calibri" panose="020F0502020204030204" pitchFamily="34" charset="0"/>
+                        <a:cs typeface="Times New Roman" panose="02020603050405020304" pitchFamily="18" charset="0"/>
+                      </a:endParaRPr>
+                    </a:p>
+                  </a:txBody>
+                  <a:tcPr marL="67709" marR="67709" marT="0" marB="0"/>
+                </a:tc>
+                <a:extLst>
+                  <a:ext uri="{0D108BD9-81ED-4DB2-BD59-A6C34878D82A}">
+                    <a16:rowId xmlns:a16="http://schemas.microsoft.com/office/drawing/2014/main" val="1525947187"/>
+                  </a:ext>
+                </a:extLst>
+              </a:tr>
+              <a:tr h="523491">
+                <a:tc>
+                  <a:txBody>
+                    <a:bodyPr/>
+                    <a:lstStyle/>
+                    <a:p>
+                      <a:pPr>
+                        <a:lnSpc>
+                          <a:spcPct val="107000"/>
+                        </a:lnSpc>
+                        <a:spcAft>
+                          <a:spcPts val="0"/>
+                        </a:spcAft>
+                      </a:pPr>
+                      <a:r>
+                        <a:rPr lang="de-DE" sz="1100">
+                          <a:effectLst/>
+                        </a:rPr>
+                        <a:t>Abhängigkeiten zu anderen User Stories</a:t>
+                      </a:r>
+                      <a:endParaRPr lang="de-DE" sz="1100">
+                        <a:effectLst/>
+                        <a:latin typeface="Calibri" panose="020F0502020204030204" pitchFamily="34" charset="0"/>
+                        <a:ea typeface="Calibri" panose="020F0502020204030204" pitchFamily="34" charset="0"/>
+                        <a:cs typeface="Times New Roman" panose="02020603050405020304" pitchFamily="18" charset="0"/>
+                      </a:endParaRPr>
+                    </a:p>
+                  </a:txBody>
+                  <a:tcPr marL="67709" marR="67709" marT="0" marB="0"/>
+                </a:tc>
+                <a:tc>
+                  <a:txBody>
+                    <a:bodyPr/>
+                    <a:lstStyle/>
+                    <a:p>
+                      <a:pPr>
+                        <a:lnSpc>
+                          <a:spcPct val="107000"/>
+                        </a:lnSpc>
+                        <a:spcAft>
+                          <a:spcPts val="0"/>
+                        </a:spcAft>
+                      </a:pPr>
+                      <a:r>
+                        <a:rPr lang="de-DE" sz="1100">
+                          <a:effectLst/>
+                        </a:rPr>
+                        <a:t>keine</a:t>
+                      </a:r>
+                      <a:endParaRPr lang="de-DE" sz="1100">
+                        <a:effectLst/>
+                        <a:latin typeface="Calibri" panose="020F0502020204030204" pitchFamily="34" charset="0"/>
+                        <a:ea typeface="Calibri" panose="020F0502020204030204" pitchFamily="34" charset="0"/>
+                        <a:cs typeface="Times New Roman" panose="02020603050405020304" pitchFamily="18" charset="0"/>
+                      </a:endParaRPr>
+                    </a:p>
+                  </a:txBody>
+                  <a:tcPr marL="67709" marR="67709" marT="0" marB="0"/>
+                </a:tc>
+                <a:extLst>
+                  <a:ext uri="{0D108BD9-81ED-4DB2-BD59-A6C34878D82A}">
+                    <a16:rowId xmlns:a16="http://schemas.microsoft.com/office/drawing/2014/main" val="2071456271"/>
+                  </a:ext>
+                </a:extLst>
+              </a:tr>
+              <a:tr h="2294581">
+                <a:tc>
+                  <a:txBody>
+                    <a:bodyPr/>
+                    <a:lstStyle/>
+                    <a:p>
+                      <a:pPr>
+                        <a:lnSpc>
+                          <a:spcPct val="107000"/>
+                        </a:lnSpc>
+                        <a:spcAft>
+                          <a:spcPts val="0"/>
+                        </a:spcAft>
+                      </a:pPr>
+                      <a:r>
+                        <a:rPr lang="de-DE" sz="1100">
+                          <a:effectLst/>
+                        </a:rPr>
+                        <a:t>Zugehörige Szenarien</a:t>
+                      </a:r>
+                      <a:endParaRPr lang="de-DE" sz="1100">
+                        <a:effectLst/>
+                        <a:latin typeface="Calibri" panose="020F0502020204030204" pitchFamily="34" charset="0"/>
+                        <a:ea typeface="Calibri" panose="020F0502020204030204" pitchFamily="34" charset="0"/>
+                        <a:cs typeface="Times New Roman" panose="02020603050405020304" pitchFamily="18" charset="0"/>
+                      </a:endParaRPr>
+                    </a:p>
+                  </a:txBody>
+                  <a:tcPr marL="67709" marR="67709" marT="0" marB="0"/>
+                </a:tc>
+                <a:tc>
+                  <a:txBody>
+                    <a:bodyPr/>
+                    <a:lstStyle/>
+                    <a:p>
+                      <a:pPr>
+                        <a:lnSpc>
+                          <a:spcPct val="107000"/>
+                        </a:lnSpc>
+                        <a:spcAft>
+                          <a:spcPts val="0"/>
+                        </a:spcAft>
+                      </a:pPr>
+                      <a:r>
+                        <a:rPr lang="de-DE" sz="1100" dirty="0">
+                          <a:effectLst/>
+                        </a:rPr>
+                        <a:t>Hauptszenario:</a:t>
+                      </a:r>
+                    </a:p>
+                    <a:p>
+                      <a:pPr marL="342900" lvl="0" indent="-342900">
+                        <a:lnSpc>
+                          <a:spcPct val="107000"/>
+                        </a:lnSpc>
+                        <a:spcAft>
+                          <a:spcPts val="0"/>
+                        </a:spcAft>
+                        <a:buFont typeface="Symbol" panose="05050102010706020507" pitchFamily="18" charset="2"/>
+                        <a:buChar char=""/>
+                      </a:pPr>
+                      <a:r>
+                        <a:rPr lang="de-DE" sz="1100" dirty="0">
+                          <a:effectLst/>
+                        </a:rPr>
+                        <a:t>1. Spieler drückt Bewegungstaste</a:t>
+                      </a:r>
+                    </a:p>
+                    <a:p>
+                      <a:pPr marL="342900" lvl="0" indent="-342900">
+                        <a:lnSpc>
+                          <a:spcPct val="107000"/>
+                        </a:lnSpc>
+                        <a:spcAft>
+                          <a:spcPts val="0"/>
+                        </a:spcAft>
+                        <a:buFont typeface="Symbol" panose="05050102010706020507" pitchFamily="18" charset="2"/>
+                        <a:buChar char=""/>
+                      </a:pPr>
+                      <a:r>
+                        <a:rPr lang="de-DE" sz="1100" dirty="0">
+                          <a:effectLst/>
+                        </a:rPr>
+                        <a:t>2. Spiel erhält Tastencode</a:t>
+                      </a:r>
+                    </a:p>
+                    <a:p>
+                      <a:pPr marL="342900" lvl="0" indent="-342900">
+                        <a:lnSpc>
+                          <a:spcPct val="107000"/>
+                        </a:lnSpc>
+                        <a:spcAft>
+                          <a:spcPts val="0"/>
+                        </a:spcAft>
+                        <a:buFont typeface="Symbol" panose="05050102010706020507" pitchFamily="18" charset="2"/>
+                        <a:buChar char=""/>
+                      </a:pPr>
+                      <a:r>
+                        <a:rPr lang="de-DE" sz="1100" dirty="0">
+                          <a:effectLst/>
+                        </a:rPr>
+                        <a:t>3. Spiel wertet Bewegung aus</a:t>
+                      </a:r>
+                    </a:p>
+                    <a:p>
+                      <a:pPr marL="342900" lvl="0" indent="-342900">
+                        <a:lnSpc>
+                          <a:spcPct val="107000"/>
+                        </a:lnSpc>
+                        <a:spcAft>
+                          <a:spcPts val="0"/>
+                        </a:spcAft>
+                        <a:buFont typeface="Symbol" panose="05050102010706020507" pitchFamily="18" charset="2"/>
+                        <a:buChar char=""/>
+                      </a:pPr>
+                      <a:r>
+                        <a:rPr lang="de-DE" sz="1100" dirty="0">
+                          <a:effectLst/>
+                        </a:rPr>
+                        <a:t>4. Spiel aktualisiert Charakterposition</a:t>
+                      </a:r>
+                    </a:p>
+                    <a:p>
+                      <a:pPr marL="342900" lvl="0" indent="-342900">
+                        <a:lnSpc>
+                          <a:spcPct val="107000"/>
+                        </a:lnSpc>
+                        <a:spcAft>
+                          <a:spcPts val="0"/>
+                        </a:spcAft>
+                        <a:buFont typeface="Symbol" panose="05050102010706020507" pitchFamily="18" charset="2"/>
+                        <a:buChar char=""/>
+                      </a:pPr>
+                      <a:r>
+                        <a:rPr lang="de-DE" sz="1100" dirty="0">
+                          <a:effectLst/>
+                        </a:rPr>
+                        <a:t>5. Spiel gibt visuelle Rückmeldung an Spieler</a:t>
+                      </a:r>
+                    </a:p>
+                    <a:p>
+                      <a:pPr>
+                        <a:lnSpc>
+                          <a:spcPct val="107000"/>
+                        </a:lnSpc>
+                        <a:spcAft>
+                          <a:spcPts val="0"/>
+                        </a:spcAft>
+                      </a:pPr>
+                      <a:r>
+                        <a:rPr lang="de-DE" sz="1100" dirty="0">
+                          <a:effectLst/>
+                        </a:rPr>
+                        <a:t>Alternativszenarien:</a:t>
+                      </a:r>
+                    </a:p>
+                    <a:p>
+                      <a:pPr>
+                        <a:lnSpc>
+                          <a:spcPct val="107000"/>
+                        </a:lnSpc>
+                        <a:spcAft>
+                          <a:spcPts val="0"/>
+                        </a:spcAft>
+                      </a:pPr>
+                      <a:r>
+                        <a:rPr lang="de-DE" sz="1100" dirty="0">
+                          <a:effectLst/>
+                        </a:rPr>
+                        <a:t>Ausnahmeszenarien:</a:t>
+                      </a:r>
+                    </a:p>
+                    <a:p>
+                      <a:pPr marL="342900" lvl="0" indent="-342900">
+                        <a:lnSpc>
+                          <a:spcPct val="107000"/>
+                        </a:lnSpc>
+                        <a:spcAft>
+                          <a:spcPts val="0"/>
+                        </a:spcAft>
+                        <a:buFont typeface="Symbol" panose="05050102010706020507" pitchFamily="18" charset="2"/>
+                        <a:buChar char=""/>
+                      </a:pPr>
+                      <a:r>
+                        <a:rPr lang="de-DE" sz="1100" dirty="0">
+                          <a:effectLst/>
+                        </a:rPr>
+                        <a:t>1. Spieler drückt Bewegungstaste</a:t>
+                      </a:r>
+                    </a:p>
+                    <a:p>
+                      <a:pPr marL="342900" lvl="0" indent="-342900">
+                        <a:lnSpc>
+                          <a:spcPct val="107000"/>
+                        </a:lnSpc>
+                        <a:spcAft>
+                          <a:spcPts val="0"/>
+                        </a:spcAft>
+                        <a:buFont typeface="Symbol" panose="05050102010706020507" pitchFamily="18" charset="2"/>
+                        <a:buChar char=""/>
+                      </a:pPr>
+                      <a:r>
+                        <a:rPr lang="de-DE" sz="1100" dirty="0">
+                          <a:effectLst/>
+                        </a:rPr>
+                        <a:t>2. Spiel erhält Tastencode</a:t>
+                      </a:r>
+                    </a:p>
+                    <a:p>
+                      <a:pPr marL="342900" lvl="0" indent="-342900">
+                        <a:lnSpc>
+                          <a:spcPct val="107000"/>
+                        </a:lnSpc>
+                        <a:spcAft>
+                          <a:spcPts val="0"/>
+                        </a:spcAft>
+                        <a:buFont typeface="Symbol" panose="05050102010706020507" pitchFamily="18" charset="2"/>
+                        <a:buChar char=""/>
+                      </a:pPr>
+                      <a:r>
+                        <a:rPr lang="de-DE" sz="1100" dirty="0">
+                          <a:effectLst/>
+                        </a:rPr>
+                        <a:t>3. Spiel wertet Bewegung aus</a:t>
+                      </a:r>
+                    </a:p>
+                    <a:p>
+                      <a:pPr marL="342900" lvl="0" indent="-342900">
+                        <a:lnSpc>
+                          <a:spcPct val="107000"/>
+                        </a:lnSpc>
+                        <a:spcAft>
+                          <a:spcPts val="0"/>
+                        </a:spcAft>
+                        <a:buFont typeface="Symbol" panose="05050102010706020507" pitchFamily="18" charset="2"/>
+                        <a:buChar char=""/>
+                      </a:pPr>
+                      <a:r>
+                        <a:rPr lang="de-DE" sz="1100" dirty="0">
+                          <a:effectLst/>
+                        </a:rPr>
+                        <a:t>4. Spiel stellt Ungültigkeit der Bewegung fest</a:t>
+                      </a:r>
+                    </a:p>
+                    <a:p>
+                      <a:pPr marL="342900" lvl="0" indent="-342900">
+                        <a:lnSpc>
+                          <a:spcPct val="107000"/>
+                        </a:lnSpc>
+                        <a:spcAft>
+                          <a:spcPts val="0"/>
+                        </a:spcAft>
+                        <a:buFont typeface="Symbol" panose="05050102010706020507" pitchFamily="18" charset="2"/>
+                        <a:buChar char=""/>
+                      </a:pPr>
+                      <a:r>
+                        <a:rPr lang="de-DE" sz="1100" dirty="0">
+                          <a:effectLst/>
+                        </a:rPr>
+                        <a:t>5. Spiel aktualisiert Charakterposition nicht</a:t>
+                      </a:r>
+                      <a:endParaRPr lang="de-DE" sz="1100" dirty="0">
+                        <a:effectLst/>
+                        <a:latin typeface="Calibri" panose="020F0502020204030204" pitchFamily="34" charset="0"/>
+                        <a:ea typeface="Calibri" panose="020F0502020204030204" pitchFamily="34" charset="0"/>
+                        <a:cs typeface="Times New Roman" panose="02020603050405020304" pitchFamily="18" charset="0"/>
+                      </a:endParaRPr>
+                    </a:p>
+                  </a:txBody>
+                  <a:tcPr marL="67709" marR="67709" marT="0" marB="0"/>
+                </a:tc>
+                <a:extLst>
+                  <a:ext uri="{0D108BD9-81ED-4DB2-BD59-A6C34878D82A}">
+                    <a16:rowId xmlns:a16="http://schemas.microsoft.com/office/drawing/2014/main" val="2095476653"/>
+                  </a:ext>
+                </a:extLst>
+              </a:tr>
+            </a:tbl>
+          </a:graphicData>
+        </a:graphic>
+      </p:graphicFrame>
     </p:spTree>
     <p:extLst>
       <p:ext uri="{BB962C8B-B14F-4D97-AF65-F5344CB8AC3E}">
@@ -6520,63 +7392,680 @@
           <a:chExt cx="0" cy="0"/>
         </a:xfrm>
       </p:grpSpPr>
-      <p:sp>
-        <p:nvSpPr>
-          <p:cNvPr id="2" name="Titel 1">
+      <p:graphicFrame>
+        <p:nvGraphicFramePr>
+          <p:cNvPr id="4" name="Inhaltsplatzhalter 3">
             <a:extLst>
               <a:ext uri="{FF2B5EF4-FFF2-40B4-BE49-F238E27FC236}">
-                <a16:creationId xmlns:a16="http://schemas.microsoft.com/office/drawing/2014/main" id="{9D9BCF54-9ED4-4109-AA78-B52E60FBA4D4}"/>
+                <a16:creationId xmlns:a16="http://schemas.microsoft.com/office/drawing/2014/main" id="{ED79AE00-8B8C-4138-BCC1-30BAFBC713D5}"/>
               </a:ext>
             </a:extLst>
           </p:cNvPr>
-          <p:cNvSpPr>
-            <a:spLocks noGrp="1"/>
-          </p:cNvSpPr>
-          <p:nvPr>
-            <p:ph type="title"/>
-          </p:nvPr>
-        </p:nvSpPr>
-        <p:spPr/>
-        <p:txBody>
-          <a:bodyPr/>
-          <a:lstStyle/>
-          <a:p>
-            <a:r>
-              <a:rPr lang="de-DE" dirty="0"/>
-              <a:t>Szenarien</a:t>
-            </a:r>
-          </a:p>
-        </p:txBody>
-      </p:sp>
-      <p:sp>
-        <p:nvSpPr>
-          <p:cNvPr id="6" name="Inhaltsplatzhalter 5">
-            <a:extLst>
-              <a:ext uri="{FF2B5EF4-FFF2-40B4-BE49-F238E27FC236}">
-                <a16:creationId xmlns:a16="http://schemas.microsoft.com/office/drawing/2014/main" id="{5342D3BB-6E9D-4382-80D3-919F5F89CAE7}"/>
-              </a:ext>
-            </a:extLst>
-          </p:cNvPr>
-          <p:cNvSpPr>
-            <a:spLocks noGrp="1"/>
-          </p:cNvSpPr>
+          <p:cNvGraphicFramePr>
+            <a:graphicFrameLocks noGrp="1"/>
+          </p:cNvGraphicFramePr>
           <p:nvPr>
             <p:ph idx="1"/>
-          </p:nvPr>
-        </p:nvSpPr>
-        <p:spPr/>
-        <p:txBody>
-          <a:bodyPr/>
-          <a:lstStyle/>
-          <a:p>
-            <a:endParaRPr lang="de-DE"/>
-          </a:p>
-        </p:txBody>
-      </p:sp>
+            <p:extLst>
+              <p:ext uri="{D42A27DB-BD31-4B8C-83A1-F6EECF244321}">
+                <p14:modId xmlns:p14="http://schemas.microsoft.com/office/powerpoint/2010/main" val="2043242121"/>
+              </p:ext>
+            </p:extLst>
+          </p:nvPr>
+        </p:nvGraphicFramePr>
+        <p:xfrm>
+          <a:off x="2900509" y="1774230"/>
+          <a:ext cx="5897880" cy="3881692"/>
+        </p:xfrm>
+        <a:graphic>
+          <a:graphicData uri="http://schemas.openxmlformats.org/drawingml/2006/table">
+            <a:tbl>
+              <a:tblPr firstRow="1" firstCol="1" bandRow="1">
+                <a:tableStyleId>{5C22544A-7EE6-4342-B048-85BDC9FD1C3A}</a:tableStyleId>
+              </a:tblPr>
+              <a:tblGrid>
+                <a:gridCol w="1329055">
+                  <a:extLst>
+                    <a:ext uri="{9D8B030D-6E8A-4147-A177-3AD203B41FA5}">
+                      <a16:colId xmlns:a16="http://schemas.microsoft.com/office/drawing/2014/main" val="162275527"/>
+                    </a:ext>
+                  </a:extLst>
+                </a:gridCol>
+                <a:gridCol w="4568825">
+                  <a:extLst>
+                    <a:ext uri="{9D8B030D-6E8A-4147-A177-3AD203B41FA5}">
+                      <a16:colId xmlns:a16="http://schemas.microsoft.com/office/drawing/2014/main" val="4133584883"/>
+                    </a:ext>
+                  </a:extLst>
+                </a:gridCol>
+              </a:tblGrid>
+              <a:tr h="0">
+                <a:tc>
+                  <a:txBody>
+                    <a:bodyPr/>
+                    <a:lstStyle/>
+                    <a:p>
+                      <a:pPr>
+                        <a:lnSpc>
+                          <a:spcPct val="107000"/>
+                        </a:lnSpc>
+                        <a:spcAft>
+                          <a:spcPts val="0"/>
+                        </a:spcAft>
+                        <a:tabLst>
+                          <a:tab pos="1203960" algn="r"/>
+                        </a:tabLst>
+                      </a:pPr>
+                      <a:r>
+                        <a:rPr lang="de-DE" sz="1100">
+                          <a:effectLst/>
+                        </a:rPr>
+                        <a:t>User Story-ID</a:t>
+                      </a:r>
+                      <a:endParaRPr lang="de-DE" sz="1100">
+                        <a:effectLst/>
+                        <a:latin typeface="Calibri" panose="020F0502020204030204" pitchFamily="34" charset="0"/>
+                        <a:ea typeface="Calibri" panose="020F0502020204030204" pitchFamily="34" charset="0"/>
+                        <a:cs typeface="Times New Roman" panose="02020603050405020304" pitchFamily="18" charset="0"/>
+                      </a:endParaRPr>
+                    </a:p>
+                  </a:txBody>
+                  <a:tcPr marL="68580" marR="68580" marT="0" marB="0"/>
+                </a:tc>
+                <a:tc>
+                  <a:txBody>
+                    <a:bodyPr/>
+                    <a:lstStyle/>
+                    <a:p>
+                      <a:pPr>
+                        <a:lnSpc>
+                          <a:spcPct val="107000"/>
+                        </a:lnSpc>
+                        <a:spcAft>
+                          <a:spcPts val="0"/>
+                        </a:spcAft>
+                      </a:pPr>
+                      <a:r>
+                        <a:rPr lang="de-DE" sz="1100">
+                          <a:effectLst/>
+                        </a:rPr>
+                        <a:t>Rundenbasiert</a:t>
+                      </a:r>
+                      <a:endParaRPr lang="de-DE" sz="1100">
+                        <a:effectLst/>
+                        <a:latin typeface="Calibri" panose="020F0502020204030204" pitchFamily="34" charset="0"/>
+                        <a:ea typeface="Calibri" panose="020F0502020204030204" pitchFamily="34" charset="0"/>
+                        <a:cs typeface="Times New Roman" panose="02020603050405020304" pitchFamily="18" charset="0"/>
+                      </a:endParaRPr>
+                    </a:p>
+                  </a:txBody>
+                  <a:tcPr marL="68580" marR="68580" marT="0" marB="0"/>
+                </a:tc>
+                <a:extLst>
+                  <a:ext uri="{0D108BD9-81ED-4DB2-BD59-A6C34878D82A}">
+                    <a16:rowId xmlns:a16="http://schemas.microsoft.com/office/drawing/2014/main" val="997515301"/>
+                  </a:ext>
+                </a:extLst>
+              </a:tr>
+              <a:tr h="0">
+                <a:tc>
+                  <a:txBody>
+                    <a:bodyPr/>
+                    <a:lstStyle/>
+                    <a:p>
+                      <a:pPr>
+                        <a:lnSpc>
+                          <a:spcPct val="107000"/>
+                        </a:lnSpc>
+                        <a:spcAft>
+                          <a:spcPts val="0"/>
+                        </a:spcAft>
+                      </a:pPr>
+                      <a:r>
+                        <a:rPr lang="de-DE" sz="1100">
+                          <a:effectLst/>
+                        </a:rPr>
+                        <a:t>User Story-Beschreibung</a:t>
+                      </a:r>
+                      <a:endParaRPr lang="de-DE" sz="1100">
+                        <a:effectLst/>
+                        <a:latin typeface="Calibri" panose="020F0502020204030204" pitchFamily="34" charset="0"/>
+                        <a:ea typeface="Calibri" panose="020F0502020204030204" pitchFamily="34" charset="0"/>
+                        <a:cs typeface="Times New Roman" panose="02020603050405020304" pitchFamily="18" charset="0"/>
+                      </a:endParaRPr>
+                    </a:p>
+                  </a:txBody>
+                  <a:tcPr marL="68580" marR="68580" marT="0" marB="0"/>
+                </a:tc>
+                <a:tc>
+                  <a:txBody>
+                    <a:bodyPr/>
+                    <a:lstStyle/>
+                    <a:p>
+                      <a:pPr>
+                        <a:lnSpc>
+                          <a:spcPct val="107000"/>
+                        </a:lnSpc>
+                        <a:spcAft>
+                          <a:spcPts val="0"/>
+                        </a:spcAft>
+                      </a:pPr>
+                      <a:r>
+                        <a:rPr lang="de-DE" sz="1100">
+                          <a:effectLst/>
+                        </a:rPr>
+                        <a:t>Als Spieler möchte ich, dass Spieler jeweils nacheinander am Zug sind, sodass ein rundenbasiertes Spiel entsteht, damit faire Abwechslung herrscht.</a:t>
+                      </a:r>
+                      <a:endParaRPr lang="de-DE" sz="1100">
+                        <a:effectLst/>
+                        <a:latin typeface="Calibri" panose="020F0502020204030204" pitchFamily="34" charset="0"/>
+                        <a:ea typeface="Calibri" panose="020F0502020204030204" pitchFamily="34" charset="0"/>
+                        <a:cs typeface="Times New Roman" panose="02020603050405020304" pitchFamily="18" charset="0"/>
+                      </a:endParaRPr>
+                    </a:p>
+                  </a:txBody>
+                  <a:tcPr marL="68580" marR="68580" marT="0" marB="0"/>
+                </a:tc>
+                <a:extLst>
+                  <a:ext uri="{0D108BD9-81ED-4DB2-BD59-A6C34878D82A}">
+                    <a16:rowId xmlns:a16="http://schemas.microsoft.com/office/drawing/2014/main" val="2163112164"/>
+                  </a:ext>
+                </a:extLst>
+              </a:tr>
+              <a:tr h="0">
+                <a:tc>
+                  <a:txBody>
+                    <a:bodyPr/>
+                    <a:lstStyle/>
+                    <a:p>
+                      <a:pPr>
+                        <a:lnSpc>
+                          <a:spcPct val="107000"/>
+                        </a:lnSpc>
+                        <a:spcAft>
+                          <a:spcPts val="0"/>
+                        </a:spcAft>
+                      </a:pPr>
+                      <a:r>
+                        <a:rPr lang="de-DE" sz="1100">
+                          <a:effectLst/>
+                        </a:rPr>
+                        <a:t>Geschätzter Realisierungsaufwand</a:t>
+                      </a:r>
+                      <a:endParaRPr lang="de-DE" sz="1100">
+                        <a:effectLst/>
+                        <a:latin typeface="Calibri" panose="020F0502020204030204" pitchFamily="34" charset="0"/>
+                        <a:ea typeface="Calibri" panose="020F0502020204030204" pitchFamily="34" charset="0"/>
+                        <a:cs typeface="Times New Roman" panose="02020603050405020304" pitchFamily="18" charset="0"/>
+                      </a:endParaRPr>
+                    </a:p>
+                  </a:txBody>
+                  <a:tcPr marL="68580" marR="68580" marT="0" marB="0"/>
+                </a:tc>
+                <a:tc>
+                  <a:txBody>
+                    <a:bodyPr/>
+                    <a:lstStyle/>
+                    <a:p>
+                      <a:pPr>
+                        <a:lnSpc>
+                          <a:spcPct val="107000"/>
+                        </a:lnSpc>
+                        <a:spcAft>
+                          <a:spcPts val="0"/>
+                        </a:spcAft>
+                        <a:tabLst>
+                          <a:tab pos="1379220" algn="l"/>
+                        </a:tabLst>
+                      </a:pPr>
+                      <a:r>
+                        <a:rPr lang="de-DE" sz="1100">
+                          <a:effectLst/>
+                        </a:rPr>
+                        <a:t>Mittel</a:t>
+                      </a:r>
+                      <a:endParaRPr lang="de-DE" sz="1100">
+                        <a:effectLst/>
+                        <a:latin typeface="Calibri" panose="020F0502020204030204" pitchFamily="34" charset="0"/>
+                        <a:ea typeface="Calibri" panose="020F0502020204030204" pitchFamily="34" charset="0"/>
+                        <a:cs typeface="Times New Roman" panose="02020603050405020304" pitchFamily="18" charset="0"/>
+                      </a:endParaRPr>
+                    </a:p>
+                  </a:txBody>
+                  <a:tcPr marL="68580" marR="68580" marT="0" marB="0"/>
+                </a:tc>
+                <a:extLst>
+                  <a:ext uri="{0D108BD9-81ED-4DB2-BD59-A6C34878D82A}">
+                    <a16:rowId xmlns:a16="http://schemas.microsoft.com/office/drawing/2014/main" val="893226157"/>
+                  </a:ext>
+                </a:extLst>
+              </a:tr>
+              <a:tr h="0">
+                <a:tc>
+                  <a:txBody>
+                    <a:bodyPr/>
+                    <a:lstStyle/>
+                    <a:p>
+                      <a:pPr>
+                        <a:lnSpc>
+                          <a:spcPct val="107000"/>
+                        </a:lnSpc>
+                        <a:spcAft>
+                          <a:spcPts val="0"/>
+                        </a:spcAft>
+                      </a:pPr>
+                      <a:r>
+                        <a:rPr lang="de-DE" sz="1100">
+                          <a:effectLst/>
+                        </a:rPr>
+                        <a:t>Priorität</a:t>
+                      </a:r>
+                      <a:endParaRPr lang="de-DE" sz="1100">
+                        <a:effectLst/>
+                        <a:latin typeface="Calibri" panose="020F0502020204030204" pitchFamily="34" charset="0"/>
+                        <a:ea typeface="Calibri" panose="020F0502020204030204" pitchFamily="34" charset="0"/>
+                        <a:cs typeface="Times New Roman" panose="02020603050405020304" pitchFamily="18" charset="0"/>
+                      </a:endParaRPr>
+                    </a:p>
+                  </a:txBody>
+                  <a:tcPr marL="68580" marR="68580" marT="0" marB="0"/>
+                </a:tc>
+                <a:tc>
+                  <a:txBody>
+                    <a:bodyPr/>
+                    <a:lstStyle/>
+                    <a:p>
+                      <a:pPr>
+                        <a:lnSpc>
+                          <a:spcPct val="107000"/>
+                        </a:lnSpc>
+                        <a:spcAft>
+                          <a:spcPts val="0"/>
+                        </a:spcAft>
+                      </a:pPr>
+                      <a:r>
+                        <a:rPr lang="de-DE" sz="1100">
+                          <a:effectLst/>
+                        </a:rPr>
+                        <a:t>Hoch</a:t>
+                      </a:r>
+                      <a:endParaRPr lang="de-DE" sz="1100">
+                        <a:effectLst/>
+                        <a:latin typeface="Calibri" panose="020F0502020204030204" pitchFamily="34" charset="0"/>
+                        <a:ea typeface="Calibri" panose="020F0502020204030204" pitchFamily="34" charset="0"/>
+                        <a:cs typeface="Times New Roman" panose="02020603050405020304" pitchFamily="18" charset="0"/>
+                      </a:endParaRPr>
+                    </a:p>
+                  </a:txBody>
+                  <a:tcPr marL="68580" marR="68580" marT="0" marB="0"/>
+                </a:tc>
+                <a:extLst>
+                  <a:ext uri="{0D108BD9-81ED-4DB2-BD59-A6C34878D82A}">
+                    <a16:rowId xmlns:a16="http://schemas.microsoft.com/office/drawing/2014/main" val="3964664696"/>
+                  </a:ext>
+                </a:extLst>
+              </a:tr>
+              <a:tr h="0">
+                <a:tc>
+                  <a:txBody>
+                    <a:bodyPr/>
+                    <a:lstStyle/>
+                    <a:p>
+                      <a:pPr>
+                        <a:lnSpc>
+                          <a:spcPct val="107000"/>
+                        </a:lnSpc>
+                        <a:spcAft>
+                          <a:spcPts val="0"/>
+                        </a:spcAft>
+                      </a:pPr>
+                      <a:r>
+                        <a:rPr lang="de-DE" sz="1100">
+                          <a:effectLst/>
+                        </a:rPr>
+                        <a:t>Autor(en)</a:t>
+                      </a:r>
+                      <a:endParaRPr lang="de-DE" sz="1100">
+                        <a:effectLst/>
+                        <a:latin typeface="Calibri" panose="020F0502020204030204" pitchFamily="34" charset="0"/>
+                        <a:ea typeface="Calibri" panose="020F0502020204030204" pitchFamily="34" charset="0"/>
+                        <a:cs typeface="Times New Roman" panose="02020603050405020304" pitchFamily="18" charset="0"/>
+                      </a:endParaRPr>
+                    </a:p>
+                  </a:txBody>
+                  <a:tcPr marL="68580" marR="68580" marT="0" marB="0"/>
+                </a:tc>
+                <a:tc>
+                  <a:txBody>
+                    <a:bodyPr/>
+                    <a:lstStyle/>
+                    <a:p>
+                      <a:pPr>
+                        <a:lnSpc>
+                          <a:spcPct val="107000"/>
+                        </a:lnSpc>
+                        <a:spcAft>
+                          <a:spcPts val="0"/>
+                        </a:spcAft>
+                      </a:pPr>
+                      <a:r>
+                        <a:rPr lang="de-DE" sz="1100">
+                          <a:effectLst/>
+                        </a:rPr>
+                        <a:t>Ibrahim Kekec</a:t>
+                      </a:r>
+                      <a:endParaRPr lang="de-DE" sz="1100">
+                        <a:effectLst/>
+                        <a:latin typeface="Calibri" panose="020F0502020204030204" pitchFamily="34" charset="0"/>
+                        <a:ea typeface="Calibri" panose="020F0502020204030204" pitchFamily="34" charset="0"/>
+                        <a:cs typeface="Times New Roman" panose="02020603050405020304" pitchFamily="18" charset="0"/>
+                      </a:endParaRPr>
+                    </a:p>
+                  </a:txBody>
+                  <a:tcPr marL="68580" marR="68580" marT="0" marB="0"/>
+                </a:tc>
+                <a:extLst>
+                  <a:ext uri="{0D108BD9-81ED-4DB2-BD59-A6C34878D82A}">
+                    <a16:rowId xmlns:a16="http://schemas.microsoft.com/office/drawing/2014/main" val="1173073941"/>
+                  </a:ext>
+                </a:extLst>
+              </a:tr>
+              <a:tr h="0">
+                <a:tc>
+                  <a:txBody>
+                    <a:bodyPr/>
+                    <a:lstStyle/>
+                    <a:p>
+                      <a:pPr>
+                        <a:lnSpc>
+                          <a:spcPct val="107000"/>
+                        </a:lnSpc>
+                        <a:spcAft>
+                          <a:spcPts val="0"/>
+                        </a:spcAft>
+                      </a:pPr>
+                      <a:r>
+                        <a:rPr lang="de-DE" sz="1100">
+                          <a:effectLst/>
+                        </a:rPr>
+                        <a:t>Abhängigkeiten zu anderen User Stories</a:t>
+                      </a:r>
+                      <a:endParaRPr lang="de-DE" sz="1100">
+                        <a:effectLst/>
+                        <a:latin typeface="Calibri" panose="020F0502020204030204" pitchFamily="34" charset="0"/>
+                        <a:ea typeface="Calibri" panose="020F0502020204030204" pitchFamily="34" charset="0"/>
+                        <a:cs typeface="Times New Roman" panose="02020603050405020304" pitchFamily="18" charset="0"/>
+                      </a:endParaRPr>
+                    </a:p>
+                  </a:txBody>
+                  <a:tcPr marL="68580" marR="68580" marT="0" marB="0"/>
+                </a:tc>
+                <a:tc>
+                  <a:txBody>
+                    <a:bodyPr/>
+                    <a:lstStyle/>
+                    <a:p>
+                      <a:pPr>
+                        <a:lnSpc>
+                          <a:spcPct val="107000"/>
+                        </a:lnSpc>
+                        <a:spcAft>
+                          <a:spcPts val="0"/>
+                        </a:spcAft>
+                      </a:pPr>
+                      <a:r>
+                        <a:rPr lang="de-DE" sz="1100">
+                          <a:effectLst/>
+                        </a:rPr>
+                        <a:t>Spieleranzahl</a:t>
+                      </a:r>
+                      <a:endParaRPr lang="de-DE" sz="1100">
+                        <a:effectLst/>
+                        <a:latin typeface="Calibri" panose="020F0502020204030204" pitchFamily="34" charset="0"/>
+                        <a:ea typeface="Calibri" panose="020F0502020204030204" pitchFamily="34" charset="0"/>
+                        <a:cs typeface="Times New Roman" panose="02020603050405020304" pitchFamily="18" charset="0"/>
+                      </a:endParaRPr>
+                    </a:p>
+                  </a:txBody>
+                  <a:tcPr marL="68580" marR="68580" marT="0" marB="0"/>
+                </a:tc>
+                <a:extLst>
+                  <a:ext uri="{0D108BD9-81ED-4DB2-BD59-A6C34878D82A}">
+                    <a16:rowId xmlns:a16="http://schemas.microsoft.com/office/drawing/2014/main" val="2438249096"/>
+                  </a:ext>
+                </a:extLst>
+              </a:tr>
+              <a:tr h="0">
+                <a:tc>
+                  <a:txBody>
+                    <a:bodyPr/>
+                    <a:lstStyle/>
+                    <a:p>
+                      <a:pPr>
+                        <a:lnSpc>
+                          <a:spcPct val="107000"/>
+                        </a:lnSpc>
+                        <a:spcAft>
+                          <a:spcPts val="0"/>
+                        </a:spcAft>
+                      </a:pPr>
+                      <a:r>
+                        <a:rPr lang="de-DE" sz="1100">
+                          <a:effectLst/>
+                        </a:rPr>
+                        <a:t>Zugehörige Szenarien</a:t>
+                      </a:r>
+                      <a:endParaRPr lang="de-DE" sz="1100">
+                        <a:effectLst/>
+                        <a:latin typeface="Calibri" panose="020F0502020204030204" pitchFamily="34" charset="0"/>
+                        <a:ea typeface="Calibri" panose="020F0502020204030204" pitchFamily="34" charset="0"/>
+                        <a:cs typeface="Times New Roman" panose="02020603050405020304" pitchFamily="18" charset="0"/>
+                      </a:endParaRPr>
+                    </a:p>
+                  </a:txBody>
+                  <a:tcPr marL="68580" marR="68580" marT="0" marB="0"/>
+                </a:tc>
+                <a:tc>
+                  <a:txBody>
+                    <a:bodyPr/>
+                    <a:lstStyle/>
+                    <a:p>
+                      <a:pPr>
+                        <a:lnSpc>
+                          <a:spcPct val="107000"/>
+                        </a:lnSpc>
+                        <a:spcAft>
+                          <a:spcPts val="0"/>
+                        </a:spcAft>
+                      </a:pPr>
+                      <a:r>
+                        <a:rPr lang="de-DE" sz="1100" dirty="0">
+                          <a:effectLst/>
+                        </a:rPr>
+                        <a:t>Hauptszenario: </a:t>
+                      </a:r>
+                    </a:p>
+                    <a:p>
+                      <a:pPr marL="342900" lvl="0" indent="-342900">
+                        <a:lnSpc>
+                          <a:spcPct val="107000"/>
+                        </a:lnSpc>
+                        <a:spcAft>
+                          <a:spcPts val="0"/>
+                        </a:spcAft>
+                        <a:buFont typeface="Symbol" panose="05050102010706020507" pitchFamily="18" charset="2"/>
+                        <a:buChar char=""/>
+                      </a:pPr>
+                      <a:r>
+                        <a:rPr lang="de-DE" sz="1100" dirty="0">
+                          <a:effectLst/>
+                        </a:rPr>
+                        <a:t>1. Spieler ist am Zug</a:t>
+                      </a:r>
+                    </a:p>
+                    <a:p>
+                      <a:pPr marL="342900" lvl="0" indent="-342900">
+                        <a:lnSpc>
+                          <a:spcPct val="107000"/>
+                        </a:lnSpc>
+                        <a:spcAft>
+                          <a:spcPts val="0"/>
+                        </a:spcAft>
+                        <a:buFont typeface="Symbol" panose="05050102010706020507" pitchFamily="18" charset="2"/>
+                        <a:buChar char=""/>
+                      </a:pPr>
+                      <a:r>
+                        <a:rPr lang="de-DE" sz="1100" dirty="0">
+                          <a:effectLst/>
+                        </a:rPr>
+                        <a:t>2. Spieler bewegt Charakter</a:t>
+                      </a:r>
+                    </a:p>
+                    <a:p>
+                      <a:pPr marL="342900" lvl="0" indent="-342900">
+                        <a:lnSpc>
+                          <a:spcPct val="107000"/>
+                        </a:lnSpc>
+                        <a:spcAft>
+                          <a:spcPts val="0"/>
+                        </a:spcAft>
+                        <a:buFont typeface="Symbol" panose="05050102010706020507" pitchFamily="18" charset="2"/>
+                        <a:buChar char=""/>
+                      </a:pPr>
+                      <a:r>
+                        <a:rPr lang="de-DE" sz="1100" dirty="0">
+                          <a:effectLst/>
+                        </a:rPr>
+                        <a:t>3. Spieler greift an</a:t>
+                      </a:r>
+                    </a:p>
+                    <a:p>
+                      <a:pPr marL="342900" lvl="0" indent="-342900">
+                        <a:lnSpc>
+                          <a:spcPct val="107000"/>
+                        </a:lnSpc>
+                        <a:spcAft>
+                          <a:spcPts val="0"/>
+                        </a:spcAft>
+                        <a:buFont typeface="Symbol" panose="05050102010706020507" pitchFamily="18" charset="2"/>
+                        <a:buChar char=""/>
+                      </a:pPr>
+                      <a:r>
+                        <a:rPr lang="de-DE" sz="1100" dirty="0">
+                          <a:effectLst/>
+                        </a:rPr>
+                        <a:t>4. Anderer Spieler ist am Zug</a:t>
+                      </a:r>
+                    </a:p>
+                    <a:p>
+                      <a:pPr>
+                        <a:lnSpc>
+                          <a:spcPct val="107000"/>
+                        </a:lnSpc>
+                        <a:spcAft>
+                          <a:spcPts val="0"/>
+                        </a:spcAft>
+                      </a:pPr>
+                      <a:r>
+                        <a:rPr lang="de-DE" sz="1100" dirty="0">
+                          <a:effectLst/>
+                        </a:rPr>
+                        <a:t>Alternativszenarien: </a:t>
+                      </a:r>
+                    </a:p>
+                    <a:p>
+                      <a:pPr marL="342900" lvl="0" indent="-342900">
+                        <a:lnSpc>
+                          <a:spcPct val="107000"/>
+                        </a:lnSpc>
+                        <a:spcAft>
+                          <a:spcPts val="0"/>
+                        </a:spcAft>
+                        <a:buFont typeface="Symbol" panose="05050102010706020507" pitchFamily="18" charset="2"/>
+                        <a:buChar char=""/>
+                      </a:pPr>
+                      <a:r>
+                        <a:rPr lang="de-DE" sz="1100" dirty="0">
+                          <a:effectLst/>
+                        </a:rPr>
+                        <a:t>1. Spieler ist am Zug</a:t>
+                      </a:r>
+                    </a:p>
+                    <a:p>
+                      <a:pPr marL="342900" lvl="0" indent="-342900">
+                        <a:lnSpc>
+                          <a:spcPct val="107000"/>
+                        </a:lnSpc>
+                        <a:spcAft>
+                          <a:spcPts val="0"/>
+                        </a:spcAft>
+                        <a:buFont typeface="Symbol" panose="05050102010706020507" pitchFamily="18" charset="2"/>
+                        <a:buChar char=""/>
+                      </a:pPr>
+                      <a:r>
+                        <a:rPr lang="de-DE" sz="1100" dirty="0">
+                          <a:effectLst/>
+                        </a:rPr>
+                        <a:t>2. Spieler greift an</a:t>
+                      </a:r>
+                    </a:p>
+                    <a:p>
+                      <a:pPr marL="342900" lvl="0" indent="-342900">
+                        <a:lnSpc>
+                          <a:spcPct val="107000"/>
+                        </a:lnSpc>
+                        <a:spcAft>
+                          <a:spcPts val="0"/>
+                        </a:spcAft>
+                        <a:buFont typeface="Symbol" panose="05050102010706020507" pitchFamily="18" charset="2"/>
+                        <a:buChar char=""/>
+                      </a:pPr>
+                      <a:r>
+                        <a:rPr lang="de-DE" sz="1100" dirty="0">
+                          <a:effectLst/>
+                        </a:rPr>
+                        <a:t>3. Anderer Spieler ist am Zug</a:t>
+                      </a:r>
+                    </a:p>
+                    <a:p>
+                      <a:pPr>
+                        <a:lnSpc>
+                          <a:spcPct val="107000"/>
+                        </a:lnSpc>
+                        <a:spcAft>
+                          <a:spcPts val="0"/>
+                        </a:spcAft>
+                      </a:pPr>
+                      <a:r>
+                        <a:rPr lang="de-DE" sz="1100" dirty="0">
+                          <a:effectLst/>
+                        </a:rPr>
+                        <a:t>Ausnahmeszenarien:</a:t>
+                      </a:r>
+                      <a:endParaRPr lang="de-DE" sz="1100" dirty="0">
+                        <a:effectLst/>
+                        <a:latin typeface="Calibri" panose="020F0502020204030204" pitchFamily="34" charset="0"/>
+                        <a:ea typeface="Calibri" panose="020F0502020204030204" pitchFamily="34" charset="0"/>
+                        <a:cs typeface="Times New Roman" panose="02020603050405020304" pitchFamily="18" charset="0"/>
+                      </a:endParaRPr>
+                    </a:p>
+                  </a:txBody>
+                  <a:tcPr marL="68580" marR="68580" marT="0" marB="0"/>
+                </a:tc>
+                <a:extLst>
+                  <a:ext uri="{0D108BD9-81ED-4DB2-BD59-A6C34878D82A}">
+                    <a16:rowId xmlns:a16="http://schemas.microsoft.com/office/drawing/2014/main" val="3040883899"/>
+                  </a:ext>
+                </a:extLst>
+              </a:tr>
+            </a:tbl>
+          </a:graphicData>
+        </a:graphic>
+      </p:graphicFrame>
     </p:spTree>
     <p:extLst>
       <p:ext uri="{BB962C8B-B14F-4D97-AF65-F5344CB8AC3E}">
-        <p14:creationId xmlns:p14="http://schemas.microsoft.com/office/powerpoint/2010/main" val="3470396374"/>
+        <p14:creationId xmlns:p14="http://schemas.microsoft.com/office/powerpoint/2010/main" val="2527529821"/>
       </p:ext>
     </p:extLst>
   </p:cSld>
@@ -6603,76 +8092,716 @@
           <a:chExt cx="0" cy="0"/>
         </a:xfrm>
       </p:grpSpPr>
-      <p:sp>
-        <p:nvSpPr>
-          <p:cNvPr id="2" name="Titel 1">
+      <p:graphicFrame>
+        <p:nvGraphicFramePr>
+          <p:cNvPr id="4" name="Inhaltsplatzhalter 3">
             <a:extLst>
               <a:ext uri="{FF2B5EF4-FFF2-40B4-BE49-F238E27FC236}">
-                <a16:creationId xmlns:a16="http://schemas.microsoft.com/office/drawing/2014/main" id="{E888932E-C277-4F3D-97D3-8FE58B8A0CDF}"/>
+                <a16:creationId xmlns:a16="http://schemas.microsoft.com/office/drawing/2014/main" id="{4F19C8E3-9F73-4283-9781-516B3C23E39F}"/>
               </a:ext>
             </a:extLst>
           </p:cNvPr>
-          <p:cNvSpPr>
-            <a:spLocks noGrp="1"/>
-          </p:cNvSpPr>
-          <p:nvPr>
-            <p:ph type="title"/>
-          </p:nvPr>
-        </p:nvSpPr>
-        <p:spPr/>
-        <p:txBody>
-          <a:bodyPr/>
-          <a:lstStyle/>
-          <a:p>
-            <a:r>
-              <a:rPr lang="de-DE" dirty="0" err="1"/>
-              <a:t>bMSC</a:t>
-            </a:r>
-            <a:r>
-              <a:rPr lang="de-DE" dirty="0"/>
-              <a:t> - </a:t>
-            </a:r>
-            <a:r>
-              <a:rPr lang="it-IT" dirty="0"/>
-              <a:t>IT1 Scenario 1-2 M&amp;E</a:t>
-            </a:r>
-            <a:endParaRPr lang="de-DE" dirty="0"/>
-          </a:p>
-        </p:txBody>
-      </p:sp>
-      <p:pic>
-        <p:nvPicPr>
-          <p:cNvPr id="4" name="Inhaltsplatzhalter 4">
-            <a:extLst>
-              <a:ext uri="{FF2B5EF4-FFF2-40B4-BE49-F238E27FC236}">
-                <a16:creationId xmlns:a16="http://schemas.microsoft.com/office/drawing/2014/main" id="{363B6969-CF47-438B-B79A-E6FCC66F4EEE}"/>
-              </a:ext>
-            </a:extLst>
-          </p:cNvPr>
-          <p:cNvPicPr>
-            <a:picLocks noGrp="1" noChangeAspect="1"/>
-          </p:cNvPicPr>
+          <p:cNvGraphicFramePr>
+            <a:graphicFrameLocks noGrp="1"/>
+          </p:cNvGraphicFramePr>
           <p:nvPr>
             <p:ph idx="1"/>
-          </p:nvPr>
-        </p:nvPicPr>
-        <p:blipFill>
-          <a:blip r:embed="rId2"/>
-          <a:stretch>
-            <a:fillRect/>
-          </a:stretch>
-        </p:blipFill>
-        <p:spPr>
-          <a:xfrm>
-            <a:off x="3572039" y="1108376"/>
-            <a:ext cx="4912085" cy="5140024"/>
-          </a:xfrm>
-        </p:spPr>
-      </p:pic>
+            <p:extLst>
+              <p:ext uri="{D42A27DB-BD31-4B8C-83A1-F6EECF244321}">
+                <p14:modId xmlns:p14="http://schemas.microsoft.com/office/powerpoint/2010/main" val="916022742"/>
+              </p:ext>
+            </p:extLst>
+          </p:nvPr>
+        </p:nvGraphicFramePr>
+        <p:xfrm>
+          <a:off x="2911586" y="1366227"/>
+          <a:ext cx="5822971" cy="4419855"/>
+        </p:xfrm>
+        <a:graphic>
+          <a:graphicData uri="http://schemas.openxmlformats.org/drawingml/2006/table">
+            <a:tbl>
+              <a:tblPr firstRow="1" firstCol="1" bandRow="1">
+                <a:tableStyleId>{5C22544A-7EE6-4342-B048-85BDC9FD1C3A}</a:tableStyleId>
+              </a:tblPr>
+              <a:tblGrid>
+                <a:gridCol w="1312175">
+                  <a:extLst>
+                    <a:ext uri="{9D8B030D-6E8A-4147-A177-3AD203B41FA5}">
+                      <a16:colId xmlns:a16="http://schemas.microsoft.com/office/drawing/2014/main" val="1411027857"/>
+                    </a:ext>
+                  </a:extLst>
+                </a:gridCol>
+                <a:gridCol w="4510796">
+                  <a:extLst>
+                    <a:ext uri="{9D8B030D-6E8A-4147-A177-3AD203B41FA5}">
+                      <a16:colId xmlns:a16="http://schemas.microsoft.com/office/drawing/2014/main" val="486810580"/>
+                    </a:ext>
+                  </a:extLst>
+                </a:gridCol>
+              </a:tblGrid>
+              <a:tr h="169272">
+                <a:tc>
+                  <a:txBody>
+                    <a:bodyPr/>
+                    <a:lstStyle/>
+                    <a:p>
+                      <a:pPr>
+                        <a:lnSpc>
+                          <a:spcPct val="107000"/>
+                        </a:lnSpc>
+                        <a:spcAft>
+                          <a:spcPts val="0"/>
+                        </a:spcAft>
+                        <a:tabLst>
+                          <a:tab pos="1203960" algn="r"/>
+                        </a:tabLst>
+                      </a:pPr>
+                      <a:r>
+                        <a:rPr lang="de-DE" sz="1100">
+                          <a:effectLst/>
+                        </a:rPr>
+                        <a:t>User Story-ID</a:t>
+                      </a:r>
+                      <a:endParaRPr lang="de-DE" sz="1100">
+                        <a:effectLst/>
+                        <a:latin typeface="Calibri" panose="020F0502020204030204" pitchFamily="34" charset="0"/>
+                        <a:ea typeface="Calibri" panose="020F0502020204030204" pitchFamily="34" charset="0"/>
+                        <a:cs typeface="Times New Roman" panose="02020603050405020304" pitchFamily="18" charset="0"/>
+                      </a:endParaRPr>
+                    </a:p>
+                  </a:txBody>
+                  <a:tcPr marL="67709" marR="67709" marT="0" marB="0"/>
+                </a:tc>
+                <a:tc>
+                  <a:txBody>
+                    <a:bodyPr/>
+                    <a:lstStyle/>
+                    <a:p>
+                      <a:pPr>
+                        <a:lnSpc>
+                          <a:spcPct val="107000"/>
+                        </a:lnSpc>
+                        <a:spcAft>
+                          <a:spcPts val="0"/>
+                        </a:spcAft>
+                      </a:pPr>
+                      <a:r>
+                        <a:rPr lang="de-DE" sz="1100">
+                          <a:effectLst/>
+                        </a:rPr>
+                        <a:t>Angreifen</a:t>
+                      </a:r>
+                      <a:endParaRPr lang="de-DE" sz="1100">
+                        <a:effectLst/>
+                        <a:latin typeface="Calibri" panose="020F0502020204030204" pitchFamily="34" charset="0"/>
+                        <a:ea typeface="Calibri" panose="020F0502020204030204" pitchFamily="34" charset="0"/>
+                        <a:cs typeface="Times New Roman" panose="02020603050405020304" pitchFamily="18" charset="0"/>
+                      </a:endParaRPr>
+                    </a:p>
+                  </a:txBody>
+                  <a:tcPr marL="67709" marR="67709" marT="0" marB="0"/>
+                </a:tc>
+                <a:extLst>
+                  <a:ext uri="{0D108BD9-81ED-4DB2-BD59-A6C34878D82A}">
+                    <a16:rowId xmlns:a16="http://schemas.microsoft.com/office/drawing/2014/main" val="3945823055"/>
+                  </a:ext>
+                </a:extLst>
+              </a:tr>
+              <a:tr h="523491">
+                <a:tc>
+                  <a:txBody>
+                    <a:bodyPr/>
+                    <a:lstStyle/>
+                    <a:p>
+                      <a:pPr>
+                        <a:lnSpc>
+                          <a:spcPct val="107000"/>
+                        </a:lnSpc>
+                        <a:spcAft>
+                          <a:spcPts val="0"/>
+                        </a:spcAft>
+                      </a:pPr>
+                      <a:r>
+                        <a:rPr lang="de-DE" sz="1100">
+                          <a:effectLst/>
+                        </a:rPr>
+                        <a:t>User Story-Beschreibung</a:t>
+                      </a:r>
+                      <a:endParaRPr lang="de-DE" sz="1100">
+                        <a:effectLst/>
+                        <a:latin typeface="Calibri" panose="020F0502020204030204" pitchFamily="34" charset="0"/>
+                        <a:ea typeface="Calibri" panose="020F0502020204030204" pitchFamily="34" charset="0"/>
+                        <a:cs typeface="Times New Roman" panose="02020603050405020304" pitchFamily="18" charset="0"/>
+                      </a:endParaRPr>
+                    </a:p>
+                  </a:txBody>
+                  <a:tcPr marL="67709" marR="67709" marT="0" marB="0"/>
+                </a:tc>
+                <a:tc>
+                  <a:txBody>
+                    <a:bodyPr/>
+                    <a:lstStyle/>
+                    <a:p>
+                      <a:pPr>
+                        <a:lnSpc>
+                          <a:spcPct val="107000"/>
+                        </a:lnSpc>
+                        <a:spcAft>
+                          <a:spcPts val="0"/>
+                        </a:spcAft>
+                      </a:pPr>
+                      <a:r>
+                        <a:rPr lang="de-DE" sz="1100">
+                          <a:effectLst/>
+                        </a:rPr>
+                        <a:t>Als Spieler möchte ich mit einer Waffe zunächst den Abschusswinkel bestimmen und danach Projektile abschießen, um gegnerischen Charakteren gezielt Schaden zufügen zu können.</a:t>
+                      </a:r>
+                      <a:endParaRPr lang="de-DE" sz="1100">
+                        <a:effectLst/>
+                        <a:latin typeface="Calibri" panose="020F0502020204030204" pitchFamily="34" charset="0"/>
+                        <a:ea typeface="Calibri" panose="020F0502020204030204" pitchFamily="34" charset="0"/>
+                        <a:cs typeface="Times New Roman" panose="02020603050405020304" pitchFamily="18" charset="0"/>
+                      </a:endParaRPr>
+                    </a:p>
+                  </a:txBody>
+                  <a:tcPr marL="67709" marR="67709" marT="0" marB="0"/>
+                </a:tc>
+                <a:extLst>
+                  <a:ext uri="{0D108BD9-81ED-4DB2-BD59-A6C34878D82A}">
+                    <a16:rowId xmlns:a16="http://schemas.microsoft.com/office/drawing/2014/main" val="275909298"/>
+                  </a:ext>
+                </a:extLst>
+              </a:tr>
+              <a:tr h="523491">
+                <a:tc>
+                  <a:txBody>
+                    <a:bodyPr/>
+                    <a:lstStyle/>
+                    <a:p>
+                      <a:pPr>
+                        <a:lnSpc>
+                          <a:spcPct val="107000"/>
+                        </a:lnSpc>
+                        <a:spcAft>
+                          <a:spcPts val="0"/>
+                        </a:spcAft>
+                      </a:pPr>
+                      <a:r>
+                        <a:rPr lang="de-DE" sz="1100">
+                          <a:effectLst/>
+                        </a:rPr>
+                        <a:t>Geschätzter Realisierungsaufwand</a:t>
+                      </a:r>
+                      <a:endParaRPr lang="de-DE" sz="1100">
+                        <a:effectLst/>
+                        <a:latin typeface="Calibri" panose="020F0502020204030204" pitchFamily="34" charset="0"/>
+                        <a:ea typeface="Calibri" panose="020F0502020204030204" pitchFamily="34" charset="0"/>
+                        <a:cs typeface="Times New Roman" panose="02020603050405020304" pitchFamily="18" charset="0"/>
+                      </a:endParaRPr>
+                    </a:p>
+                  </a:txBody>
+                  <a:tcPr marL="67709" marR="67709" marT="0" marB="0"/>
+                </a:tc>
+                <a:tc>
+                  <a:txBody>
+                    <a:bodyPr/>
+                    <a:lstStyle/>
+                    <a:p>
+                      <a:pPr>
+                        <a:lnSpc>
+                          <a:spcPct val="107000"/>
+                        </a:lnSpc>
+                        <a:spcAft>
+                          <a:spcPts val="0"/>
+                        </a:spcAft>
+                        <a:tabLst>
+                          <a:tab pos="1379220" algn="l"/>
+                        </a:tabLst>
+                      </a:pPr>
+                      <a:r>
+                        <a:rPr lang="de-DE" sz="1100">
+                          <a:effectLst/>
+                        </a:rPr>
+                        <a:t>Hoch</a:t>
+                      </a:r>
+                      <a:endParaRPr lang="de-DE" sz="1100">
+                        <a:effectLst/>
+                        <a:latin typeface="Calibri" panose="020F0502020204030204" pitchFamily="34" charset="0"/>
+                        <a:ea typeface="Calibri" panose="020F0502020204030204" pitchFamily="34" charset="0"/>
+                        <a:cs typeface="Times New Roman" panose="02020603050405020304" pitchFamily="18" charset="0"/>
+                      </a:endParaRPr>
+                    </a:p>
+                  </a:txBody>
+                  <a:tcPr marL="67709" marR="67709" marT="0" marB="0"/>
+                </a:tc>
+                <a:extLst>
+                  <a:ext uri="{0D108BD9-81ED-4DB2-BD59-A6C34878D82A}">
+                    <a16:rowId xmlns:a16="http://schemas.microsoft.com/office/drawing/2014/main" val="3330156504"/>
+                  </a:ext>
+                </a:extLst>
+              </a:tr>
+              <a:tr h="169272">
+                <a:tc>
+                  <a:txBody>
+                    <a:bodyPr/>
+                    <a:lstStyle/>
+                    <a:p>
+                      <a:pPr>
+                        <a:lnSpc>
+                          <a:spcPct val="107000"/>
+                        </a:lnSpc>
+                        <a:spcAft>
+                          <a:spcPts val="0"/>
+                        </a:spcAft>
+                      </a:pPr>
+                      <a:r>
+                        <a:rPr lang="de-DE" sz="1100">
+                          <a:effectLst/>
+                        </a:rPr>
+                        <a:t>Priorität</a:t>
+                      </a:r>
+                      <a:endParaRPr lang="de-DE" sz="1100">
+                        <a:effectLst/>
+                        <a:latin typeface="Calibri" panose="020F0502020204030204" pitchFamily="34" charset="0"/>
+                        <a:ea typeface="Calibri" panose="020F0502020204030204" pitchFamily="34" charset="0"/>
+                        <a:cs typeface="Times New Roman" panose="02020603050405020304" pitchFamily="18" charset="0"/>
+                      </a:endParaRPr>
+                    </a:p>
+                  </a:txBody>
+                  <a:tcPr marL="67709" marR="67709" marT="0" marB="0"/>
+                </a:tc>
+                <a:tc>
+                  <a:txBody>
+                    <a:bodyPr/>
+                    <a:lstStyle/>
+                    <a:p>
+                      <a:pPr>
+                        <a:lnSpc>
+                          <a:spcPct val="107000"/>
+                        </a:lnSpc>
+                        <a:spcAft>
+                          <a:spcPts val="0"/>
+                        </a:spcAft>
+                      </a:pPr>
+                      <a:r>
+                        <a:rPr lang="de-DE" sz="1100">
+                          <a:effectLst/>
+                        </a:rPr>
+                        <a:t>Mittel</a:t>
+                      </a:r>
+                      <a:endParaRPr lang="de-DE" sz="1100">
+                        <a:effectLst/>
+                        <a:latin typeface="Calibri" panose="020F0502020204030204" pitchFamily="34" charset="0"/>
+                        <a:ea typeface="Calibri" panose="020F0502020204030204" pitchFamily="34" charset="0"/>
+                        <a:cs typeface="Times New Roman" panose="02020603050405020304" pitchFamily="18" charset="0"/>
+                      </a:endParaRPr>
+                    </a:p>
+                  </a:txBody>
+                  <a:tcPr marL="67709" marR="67709" marT="0" marB="0"/>
+                </a:tc>
+                <a:extLst>
+                  <a:ext uri="{0D108BD9-81ED-4DB2-BD59-A6C34878D82A}">
+                    <a16:rowId xmlns:a16="http://schemas.microsoft.com/office/drawing/2014/main" val="3597245237"/>
+                  </a:ext>
+                </a:extLst>
+              </a:tr>
+              <a:tr h="169272">
+                <a:tc>
+                  <a:txBody>
+                    <a:bodyPr/>
+                    <a:lstStyle/>
+                    <a:p>
+                      <a:pPr>
+                        <a:lnSpc>
+                          <a:spcPct val="107000"/>
+                        </a:lnSpc>
+                        <a:spcAft>
+                          <a:spcPts val="0"/>
+                        </a:spcAft>
+                      </a:pPr>
+                      <a:r>
+                        <a:rPr lang="de-DE" sz="1100">
+                          <a:effectLst/>
+                        </a:rPr>
+                        <a:t>Autor(en)</a:t>
+                      </a:r>
+                      <a:endParaRPr lang="de-DE" sz="1100">
+                        <a:effectLst/>
+                        <a:latin typeface="Calibri" panose="020F0502020204030204" pitchFamily="34" charset="0"/>
+                        <a:ea typeface="Calibri" panose="020F0502020204030204" pitchFamily="34" charset="0"/>
+                        <a:cs typeface="Times New Roman" panose="02020603050405020304" pitchFamily="18" charset="0"/>
+                      </a:endParaRPr>
+                    </a:p>
+                  </a:txBody>
+                  <a:tcPr marL="67709" marR="67709" marT="0" marB="0"/>
+                </a:tc>
+                <a:tc>
+                  <a:txBody>
+                    <a:bodyPr/>
+                    <a:lstStyle/>
+                    <a:p>
+                      <a:pPr>
+                        <a:lnSpc>
+                          <a:spcPct val="107000"/>
+                        </a:lnSpc>
+                        <a:spcAft>
+                          <a:spcPts val="0"/>
+                        </a:spcAft>
+                      </a:pPr>
+                      <a:r>
+                        <a:rPr lang="de-DE" sz="1100">
+                          <a:effectLst/>
+                        </a:rPr>
+                        <a:t>Tarik Karaca</a:t>
+                      </a:r>
+                      <a:endParaRPr lang="de-DE" sz="1100">
+                        <a:effectLst/>
+                        <a:latin typeface="Calibri" panose="020F0502020204030204" pitchFamily="34" charset="0"/>
+                        <a:ea typeface="Calibri" panose="020F0502020204030204" pitchFamily="34" charset="0"/>
+                        <a:cs typeface="Times New Roman" panose="02020603050405020304" pitchFamily="18" charset="0"/>
+                      </a:endParaRPr>
+                    </a:p>
+                  </a:txBody>
+                  <a:tcPr marL="67709" marR="67709" marT="0" marB="0"/>
+                </a:tc>
+                <a:extLst>
+                  <a:ext uri="{0D108BD9-81ED-4DB2-BD59-A6C34878D82A}">
+                    <a16:rowId xmlns:a16="http://schemas.microsoft.com/office/drawing/2014/main" val="1880883676"/>
+                  </a:ext>
+                </a:extLst>
+              </a:tr>
+              <a:tr h="523491">
+                <a:tc>
+                  <a:txBody>
+                    <a:bodyPr/>
+                    <a:lstStyle/>
+                    <a:p>
+                      <a:pPr>
+                        <a:lnSpc>
+                          <a:spcPct val="107000"/>
+                        </a:lnSpc>
+                        <a:spcAft>
+                          <a:spcPts val="0"/>
+                        </a:spcAft>
+                      </a:pPr>
+                      <a:r>
+                        <a:rPr lang="de-DE" sz="1100">
+                          <a:effectLst/>
+                        </a:rPr>
+                        <a:t>Abhängigkeiten zu anderen User Stories</a:t>
+                      </a:r>
+                      <a:endParaRPr lang="de-DE" sz="1100">
+                        <a:effectLst/>
+                        <a:latin typeface="Calibri" panose="020F0502020204030204" pitchFamily="34" charset="0"/>
+                        <a:ea typeface="Calibri" panose="020F0502020204030204" pitchFamily="34" charset="0"/>
+                        <a:cs typeface="Times New Roman" panose="02020603050405020304" pitchFamily="18" charset="0"/>
+                      </a:endParaRPr>
+                    </a:p>
+                  </a:txBody>
+                  <a:tcPr marL="67709" marR="67709" marT="0" marB="0"/>
+                </a:tc>
+                <a:tc>
+                  <a:txBody>
+                    <a:bodyPr/>
+                    <a:lstStyle/>
+                    <a:p>
+                      <a:pPr>
+                        <a:lnSpc>
+                          <a:spcPct val="107000"/>
+                        </a:lnSpc>
+                        <a:spcAft>
+                          <a:spcPts val="0"/>
+                        </a:spcAft>
+                      </a:pPr>
+                      <a:r>
+                        <a:rPr lang="de-DE" sz="1100">
+                          <a:effectLst/>
+                        </a:rPr>
+                        <a:t>keine</a:t>
+                      </a:r>
+                      <a:endParaRPr lang="de-DE" sz="1100">
+                        <a:effectLst/>
+                        <a:latin typeface="Calibri" panose="020F0502020204030204" pitchFamily="34" charset="0"/>
+                        <a:ea typeface="Calibri" panose="020F0502020204030204" pitchFamily="34" charset="0"/>
+                        <a:cs typeface="Times New Roman" panose="02020603050405020304" pitchFamily="18" charset="0"/>
+                      </a:endParaRPr>
+                    </a:p>
+                  </a:txBody>
+                  <a:tcPr marL="67709" marR="67709" marT="0" marB="0"/>
+                </a:tc>
+                <a:extLst>
+                  <a:ext uri="{0D108BD9-81ED-4DB2-BD59-A6C34878D82A}">
+                    <a16:rowId xmlns:a16="http://schemas.microsoft.com/office/drawing/2014/main" val="3440566713"/>
+                  </a:ext>
+                </a:extLst>
+              </a:tr>
+              <a:tr h="2117473">
+                <a:tc>
+                  <a:txBody>
+                    <a:bodyPr/>
+                    <a:lstStyle/>
+                    <a:p>
+                      <a:pPr>
+                        <a:lnSpc>
+                          <a:spcPct val="107000"/>
+                        </a:lnSpc>
+                        <a:spcAft>
+                          <a:spcPts val="0"/>
+                        </a:spcAft>
+                      </a:pPr>
+                      <a:r>
+                        <a:rPr lang="de-DE" sz="1100">
+                          <a:effectLst/>
+                        </a:rPr>
+                        <a:t>Zugehörige Szenarien</a:t>
+                      </a:r>
+                      <a:endParaRPr lang="de-DE" sz="1100">
+                        <a:effectLst/>
+                        <a:latin typeface="Calibri" panose="020F0502020204030204" pitchFamily="34" charset="0"/>
+                        <a:ea typeface="Calibri" panose="020F0502020204030204" pitchFamily="34" charset="0"/>
+                        <a:cs typeface="Times New Roman" panose="02020603050405020304" pitchFamily="18" charset="0"/>
+                      </a:endParaRPr>
+                    </a:p>
+                  </a:txBody>
+                  <a:tcPr marL="67709" marR="67709" marT="0" marB="0"/>
+                </a:tc>
+                <a:tc>
+                  <a:txBody>
+                    <a:bodyPr/>
+                    <a:lstStyle/>
+                    <a:p>
+                      <a:pPr>
+                        <a:lnSpc>
+                          <a:spcPct val="107000"/>
+                        </a:lnSpc>
+                        <a:spcAft>
+                          <a:spcPts val="0"/>
+                        </a:spcAft>
+                      </a:pPr>
+                      <a:r>
+                        <a:rPr lang="de-DE" sz="1100" dirty="0">
+                          <a:effectLst/>
+                        </a:rPr>
+                        <a:t>Hauptszenario: </a:t>
+                      </a:r>
+                    </a:p>
+                    <a:p>
+                      <a:pPr marL="342900" lvl="0" indent="-342900">
+                        <a:lnSpc>
+                          <a:spcPct val="107000"/>
+                        </a:lnSpc>
+                        <a:spcAft>
+                          <a:spcPts val="0"/>
+                        </a:spcAft>
+                        <a:buFont typeface="Symbol" panose="05050102010706020507" pitchFamily="18" charset="2"/>
+                        <a:buChar char=""/>
+                      </a:pPr>
+                      <a:r>
+                        <a:rPr lang="de-DE" sz="1100" dirty="0">
+                          <a:effectLst/>
+                        </a:rPr>
+                        <a:t>1. Spieler wählt angreifen</a:t>
+                      </a:r>
+                    </a:p>
+                    <a:p>
+                      <a:pPr marL="342900" lvl="0" indent="-342900">
+                        <a:lnSpc>
+                          <a:spcPct val="107000"/>
+                        </a:lnSpc>
+                        <a:spcAft>
+                          <a:spcPts val="0"/>
+                        </a:spcAft>
+                        <a:buFont typeface="Symbol" panose="05050102010706020507" pitchFamily="18" charset="2"/>
+                        <a:buChar char=""/>
+                      </a:pPr>
+                      <a:r>
+                        <a:rPr lang="de-DE" sz="1100" dirty="0">
+                          <a:effectLst/>
+                        </a:rPr>
+                        <a:t>2. Spiel zeigt Zielrichtung an</a:t>
+                      </a:r>
+                    </a:p>
+                    <a:p>
+                      <a:pPr marL="342900" lvl="0" indent="-342900">
+                        <a:lnSpc>
+                          <a:spcPct val="107000"/>
+                        </a:lnSpc>
+                        <a:spcAft>
+                          <a:spcPts val="0"/>
+                        </a:spcAft>
+                        <a:buFont typeface="Symbol" panose="05050102010706020507" pitchFamily="18" charset="2"/>
+                        <a:buChar char=""/>
+                      </a:pPr>
+                      <a:r>
+                        <a:rPr lang="de-DE" sz="1100" dirty="0">
+                          <a:effectLst/>
+                        </a:rPr>
+                        <a:t>3. Spieler wählt Zielrichtung</a:t>
+                      </a:r>
+                    </a:p>
+                    <a:p>
+                      <a:pPr marL="342900" lvl="0" indent="-342900">
+                        <a:lnSpc>
+                          <a:spcPct val="107000"/>
+                        </a:lnSpc>
+                        <a:spcAft>
+                          <a:spcPts val="0"/>
+                        </a:spcAft>
+                        <a:buFont typeface="Symbol" panose="05050102010706020507" pitchFamily="18" charset="2"/>
+                        <a:buChar char=""/>
+                      </a:pPr>
+                      <a:r>
+                        <a:rPr lang="de-DE" sz="1100" dirty="0">
+                          <a:effectLst/>
+                        </a:rPr>
+                        <a:t>4. Spieler schießt</a:t>
+                      </a:r>
+                    </a:p>
+                    <a:p>
+                      <a:pPr marL="342900" lvl="0" indent="-342900">
+                        <a:lnSpc>
+                          <a:spcPct val="107000"/>
+                        </a:lnSpc>
+                        <a:spcAft>
+                          <a:spcPts val="0"/>
+                        </a:spcAft>
+                        <a:buFont typeface="Symbol" panose="05050102010706020507" pitchFamily="18" charset="2"/>
+                        <a:buChar char=""/>
+                      </a:pPr>
+                      <a:r>
+                        <a:rPr lang="de-DE" sz="1100" dirty="0">
+                          <a:effectLst/>
+                        </a:rPr>
+                        <a:t>5. Spiel erzeugt Projektil </a:t>
+                      </a:r>
+                    </a:p>
+                    <a:p>
+                      <a:pPr>
+                        <a:lnSpc>
+                          <a:spcPct val="107000"/>
+                        </a:lnSpc>
+                        <a:spcAft>
+                          <a:spcPts val="0"/>
+                        </a:spcAft>
+                      </a:pPr>
+                      <a:r>
+                        <a:rPr lang="de-DE" sz="1100" dirty="0">
+                          <a:effectLst/>
+                        </a:rPr>
+                        <a:t>Alternativszenarien: </a:t>
+                      </a:r>
+                    </a:p>
+                    <a:p>
+                      <a:pPr marL="342900" lvl="0" indent="-342900">
+                        <a:lnSpc>
+                          <a:spcPct val="107000"/>
+                        </a:lnSpc>
+                        <a:spcAft>
+                          <a:spcPts val="0"/>
+                        </a:spcAft>
+                        <a:buFont typeface="Symbol" panose="05050102010706020507" pitchFamily="18" charset="2"/>
+                        <a:buChar char=""/>
+                      </a:pPr>
+                      <a:r>
+                        <a:rPr lang="de-DE" sz="1100" dirty="0">
+                          <a:effectLst/>
+                        </a:rPr>
+                        <a:t>1. Spieler wählt angreifen</a:t>
+                      </a:r>
+                    </a:p>
+                    <a:p>
+                      <a:pPr marL="342900" lvl="0" indent="-342900">
+                        <a:lnSpc>
+                          <a:spcPct val="107000"/>
+                        </a:lnSpc>
+                        <a:spcAft>
+                          <a:spcPts val="0"/>
+                        </a:spcAft>
+                        <a:buFont typeface="Symbol" panose="05050102010706020507" pitchFamily="18" charset="2"/>
+                        <a:buChar char=""/>
+                      </a:pPr>
+                      <a:r>
+                        <a:rPr lang="de-DE" sz="1100" dirty="0">
+                          <a:effectLst/>
+                        </a:rPr>
+                        <a:t>2. Spiel zeigt Zielrichtung an</a:t>
+                      </a:r>
+                    </a:p>
+                    <a:p>
+                      <a:pPr marL="342900" lvl="0" indent="-342900">
+                        <a:lnSpc>
+                          <a:spcPct val="107000"/>
+                        </a:lnSpc>
+                        <a:spcAft>
+                          <a:spcPts val="0"/>
+                        </a:spcAft>
+                        <a:buFont typeface="Symbol" panose="05050102010706020507" pitchFamily="18" charset="2"/>
+                        <a:buChar char=""/>
+                      </a:pPr>
+                      <a:r>
+                        <a:rPr lang="de-DE" sz="1100" dirty="0">
+                          <a:effectLst/>
+                        </a:rPr>
+                        <a:t>3. Spieler schießt</a:t>
+                      </a:r>
+                    </a:p>
+                    <a:p>
+                      <a:pPr marL="342900" lvl="0" indent="-342900">
+                        <a:lnSpc>
+                          <a:spcPct val="107000"/>
+                        </a:lnSpc>
+                        <a:spcAft>
+                          <a:spcPts val="0"/>
+                        </a:spcAft>
+                        <a:buFont typeface="Symbol" panose="05050102010706020507" pitchFamily="18" charset="2"/>
+                        <a:buChar char=""/>
+                      </a:pPr>
+                      <a:r>
+                        <a:rPr lang="de-DE" sz="1100" dirty="0">
+                          <a:effectLst/>
+                        </a:rPr>
+                        <a:t>4. Spiel erzeugt Projektil</a:t>
+                      </a:r>
+                    </a:p>
+                    <a:p>
+                      <a:pPr>
+                        <a:lnSpc>
+                          <a:spcPct val="107000"/>
+                        </a:lnSpc>
+                        <a:spcAft>
+                          <a:spcPts val="0"/>
+                        </a:spcAft>
+                      </a:pPr>
+                      <a:r>
+                        <a:rPr lang="de-DE" sz="1100" dirty="0">
+                          <a:effectLst/>
+                        </a:rPr>
+                        <a:t>Ausnahmeszenarien:</a:t>
+                      </a:r>
+                      <a:endParaRPr lang="de-DE" sz="1100" dirty="0">
+                        <a:effectLst/>
+                        <a:latin typeface="Calibri" panose="020F0502020204030204" pitchFamily="34" charset="0"/>
+                        <a:ea typeface="Calibri" panose="020F0502020204030204" pitchFamily="34" charset="0"/>
+                        <a:cs typeface="Times New Roman" panose="02020603050405020304" pitchFamily="18" charset="0"/>
+                      </a:endParaRPr>
+                    </a:p>
+                  </a:txBody>
+                  <a:tcPr marL="67709" marR="67709" marT="0" marB="0"/>
+                </a:tc>
+                <a:extLst>
+                  <a:ext uri="{0D108BD9-81ED-4DB2-BD59-A6C34878D82A}">
+                    <a16:rowId xmlns:a16="http://schemas.microsoft.com/office/drawing/2014/main" val="2417278961"/>
+                  </a:ext>
+                </a:extLst>
+              </a:tr>
+            </a:tbl>
+          </a:graphicData>
+        </a:graphic>
+      </p:graphicFrame>
     </p:spTree>
     <p:extLst>
       <p:ext uri="{BB962C8B-B14F-4D97-AF65-F5344CB8AC3E}">
-        <p14:creationId xmlns:p14="http://schemas.microsoft.com/office/powerpoint/2010/main" val="4108937875"/>
+        <p14:creationId xmlns:p14="http://schemas.microsoft.com/office/powerpoint/2010/main" val="4150526773"/>
       </p:ext>
     </p:extLst>
   </p:cSld>
@@ -6699,71 +8828,608 @@
           <a:chExt cx="0" cy="0"/>
         </a:xfrm>
       </p:grpSpPr>
-      <p:sp>
-        <p:nvSpPr>
-          <p:cNvPr id="2" name="Titel 1">
+      <p:graphicFrame>
+        <p:nvGraphicFramePr>
+          <p:cNvPr id="4" name="Inhaltsplatzhalter 3">
             <a:extLst>
               <a:ext uri="{FF2B5EF4-FFF2-40B4-BE49-F238E27FC236}">
-                <a16:creationId xmlns:a16="http://schemas.microsoft.com/office/drawing/2014/main" id="{4BB38913-96E6-49C9-A14E-34D20A95CE62}"/>
+                <a16:creationId xmlns:a16="http://schemas.microsoft.com/office/drawing/2014/main" id="{D431D31A-9C81-4158-8104-9C3F47DEA997}"/>
               </a:ext>
             </a:extLst>
           </p:cNvPr>
-          <p:cNvSpPr>
-            <a:spLocks noGrp="1"/>
-          </p:cNvSpPr>
-          <p:nvPr>
-            <p:ph type="title"/>
-          </p:nvPr>
-        </p:nvSpPr>
-        <p:spPr/>
-        <p:txBody>
-          <a:bodyPr/>
-          <a:lstStyle/>
-          <a:p>
-            <a:r>
-              <a:rPr lang="de-DE" dirty="0" err="1"/>
-              <a:t>bMSC</a:t>
-            </a:r>
-            <a:r>
-              <a:rPr lang="de-DE" dirty="0"/>
-              <a:t> - IT1 Scenario 6 M&amp;A</a:t>
-            </a:r>
-          </a:p>
-        </p:txBody>
-      </p:sp>
-      <p:pic>
-        <p:nvPicPr>
-          <p:cNvPr id="5" name="Inhaltsplatzhalter 4">
-            <a:extLst>
-              <a:ext uri="{FF2B5EF4-FFF2-40B4-BE49-F238E27FC236}">
-                <a16:creationId xmlns:a16="http://schemas.microsoft.com/office/drawing/2014/main" id="{EF2E3333-C44E-44A1-88B0-C59E8E6C4373}"/>
-              </a:ext>
-            </a:extLst>
-          </p:cNvPr>
-          <p:cNvPicPr>
-            <a:picLocks noGrp="1" noChangeAspect="1"/>
-          </p:cNvPicPr>
+          <p:cNvGraphicFramePr>
+            <a:graphicFrameLocks noGrp="1"/>
+          </p:cNvGraphicFramePr>
           <p:nvPr>
             <p:ph idx="1"/>
-          </p:nvPr>
-        </p:nvPicPr>
-        <p:blipFill>
-          <a:blip r:embed="rId2"/>
-          <a:stretch>
-            <a:fillRect/>
-          </a:stretch>
-        </p:blipFill>
-        <p:spPr>
-          <a:xfrm>
-            <a:off x="4084286" y="1177304"/>
-            <a:ext cx="4239582" cy="5071096"/>
-          </a:xfrm>
-        </p:spPr>
-      </p:pic>
+            <p:extLst>
+              <p:ext uri="{D42A27DB-BD31-4B8C-83A1-F6EECF244321}">
+                <p14:modId xmlns:p14="http://schemas.microsoft.com/office/powerpoint/2010/main" val="1355274603"/>
+              </p:ext>
+            </p:extLst>
+          </p:nvPr>
+        </p:nvGraphicFramePr>
+        <p:xfrm>
+          <a:off x="3058771" y="1757235"/>
+          <a:ext cx="5897880" cy="3343529"/>
+        </p:xfrm>
+        <a:graphic>
+          <a:graphicData uri="http://schemas.openxmlformats.org/drawingml/2006/table">
+            <a:tbl>
+              <a:tblPr firstRow="1" firstCol="1" bandRow="1">
+                <a:tableStyleId>{5C22544A-7EE6-4342-B048-85BDC9FD1C3A}</a:tableStyleId>
+              </a:tblPr>
+              <a:tblGrid>
+                <a:gridCol w="1329055">
+                  <a:extLst>
+                    <a:ext uri="{9D8B030D-6E8A-4147-A177-3AD203B41FA5}">
+                      <a16:colId xmlns:a16="http://schemas.microsoft.com/office/drawing/2014/main" val="3055890181"/>
+                    </a:ext>
+                  </a:extLst>
+                </a:gridCol>
+                <a:gridCol w="4568825">
+                  <a:extLst>
+                    <a:ext uri="{9D8B030D-6E8A-4147-A177-3AD203B41FA5}">
+                      <a16:colId xmlns:a16="http://schemas.microsoft.com/office/drawing/2014/main" val="3288795212"/>
+                    </a:ext>
+                  </a:extLst>
+                </a:gridCol>
+              </a:tblGrid>
+              <a:tr h="0">
+                <a:tc>
+                  <a:txBody>
+                    <a:bodyPr/>
+                    <a:lstStyle/>
+                    <a:p>
+                      <a:pPr>
+                        <a:lnSpc>
+                          <a:spcPct val="107000"/>
+                        </a:lnSpc>
+                        <a:spcAft>
+                          <a:spcPts val="0"/>
+                        </a:spcAft>
+                        <a:tabLst>
+                          <a:tab pos="1203960" algn="r"/>
+                        </a:tabLst>
+                      </a:pPr>
+                      <a:r>
+                        <a:rPr lang="de-DE" sz="1100">
+                          <a:effectLst/>
+                        </a:rPr>
+                        <a:t>User Story-ID</a:t>
+                      </a:r>
+                      <a:endParaRPr lang="de-DE" sz="1100">
+                        <a:effectLst/>
+                        <a:latin typeface="Calibri" panose="020F0502020204030204" pitchFamily="34" charset="0"/>
+                        <a:ea typeface="Calibri" panose="020F0502020204030204" pitchFamily="34" charset="0"/>
+                        <a:cs typeface="Times New Roman" panose="02020603050405020304" pitchFamily="18" charset="0"/>
+                      </a:endParaRPr>
+                    </a:p>
+                  </a:txBody>
+                  <a:tcPr marL="68580" marR="68580" marT="0" marB="0"/>
+                </a:tc>
+                <a:tc>
+                  <a:txBody>
+                    <a:bodyPr/>
+                    <a:lstStyle/>
+                    <a:p>
+                      <a:pPr>
+                        <a:lnSpc>
+                          <a:spcPct val="107000"/>
+                        </a:lnSpc>
+                        <a:spcAft>
+                          <a:spcPts val="0"/>
+                        </a:spcAft>
+                      </a:pPr>
+                      <a:r>
+                        <a:rPr lang="de-DE" sz="1100">
+                          <a:effectLst/>
+                        </a:rPr>
+                        <a:t>SpielerAmZug</a:t>
+                      </a:r>
+                      <a:endParaRPr lang="de-DE" sz="1100">
+                        <a:effectLst/>
+                        <a:latin typeface="Calibri" panose="020F0502020204030204" pitchFamily="34" charset="0"/>
+                        <a:ea typeface="Calibri" panose="020F0502020204030204" pitchFamily="34" charset="0"/>
+                        <a:cs typeface="Times New Roman" panose="02020603050405020304" pitchFamily="18" charset="0"/>
+                      </a:endParaRPr>
+                    </a:p>
+                  </a:txBody>
+                  <a:tcPr marL="68580" marR="68580" marT="0" marB="0"/>
+                </a:tc>
+                <a:extLst>
+                  <a:ext uri="{0D108BD9-81ED-4DB2-BD59-A6C34878D82A}">
+                    <a16:rowId xmlns:a16="http://schemas.microsoft.com/office/drawing/2014/main" val="3181383054"/>
+                  </a:ext>
+                </a:extLst>
+              </a:tr>
+              <a:tr h="0">
+                <a:tc>
+                  <a:txBody>
+                    <a:bodyPr/>
+                    <a:lstStyle/>
+                    <a:p>
+                      <a:pPr>
+                        <a:lnSpc>
+                          <a:spcPct val="107000"/>
+                        </a:lnSpc>
+                        <a:spcAft>
+                          <a:spcPts val="0"/>
+                        </a:spcAft>
+                      </a:pPr>
+                      <a:r>
+                        <a:rPr lang="de-DE" sz="1100">
+                          <a:effectLst/>
+                        </a:rPr>
+                        <a:t>User Story-Beschreibung</a:t>
+                      </a:r>
+                      <a:endParaRPr lang="de-DE" sz="1100">
+                        <a:effectLst/>
+                        <a:latin typeface="Calibri" panose="020F0502020204030204" pitchFamily="34" charset="0"/>
+                        <a:ea typeface="Calibri" panose="020F0502020204030204" pitchFamily="34" charset="0"/>
+                        <a:cs typeface="Times New Roman" panose="02020603050405020304" pitchFamily="18" charset="0"/>
+                      </a:endParaRPr>
+                    </a:p>
+                  </a:txBody>
+                  <a:tcPr marL="68580" marR="68580" marT="0" marB="0"/>
+                </a:tc>
+                <a:tc>
+                  <a:txBody>
+                    <a:bodyPr/>
+                    <a:lstStyle/>
+                    <a:p>
+                      <a:pPr>
+                        <a:lnSpc>
+                          <a:spcPct val="107000"/>
+                        </a:lnSpc>
+                        <a:spcAft>
+                          <a:spcPts val="0"/>
+                        </a:spcAft>
+                      </a:pPr>
+                      <a:r>
+                        <a:rPr lang="de-DE" sz="1100" dirty="0">
+                          <a:effectLst/>
+                        </a:rPr>
+                        <a:t>Als Spieler möchte ich deutlich darüber informiert werden welcher Spieler am Zug ist, um leichter den Überblick behalten zu können.</a:t>
+                      </a:r>
+                      <a:endParaRPr lang="de-DE" sz="1100" dirty="0">
+                        <a:effectLst/>
+                        <a:latin typeface="Calibri" panose="020F0502020204030204" pitchFamily="34" charset="0"/>
+                        <a:ea typeface="Calibri" panose="020F0502020204030204" pitchFamily="34" charset="0"/>
+                        <a:cs typeface="Times New Roman" panose="02020603050405020304" pitchFamily="18" charset="0"/>
+                      </a:endParaRPr>
+                    </a:p>
+                  </a:txBody>
+                  <a:tcPr marL="68580" marR="68580" marT="0" marB="0"/>
+                </a:tc>
+                <a:extLst>
+                  <a:ext uri="{0D108BD9-81ED-4DB2-BD59-A6C34878D82A}">
+                    <a16:rowId xmlns:a16="http://schemas.microsoft.com/office/drawing/2014/main" val="3419525988"/>
+                  </a:ext>
+                </a:extLst>
+              </a:tr>
+              <a:tr h="0">
+                <a:tc>
+                  <a:txBody>
+                    <a:bodyPr/>
+                    <a:lstStyle/>
+                    <a:p>
+                      <a:pPr>
+                        <a:lnSpc>
+                          <a:spcPct val="107000"/>
+                        </a:lnSpc>
+                        <a:spcAft>
+                          <a:spcPts val="0"/>
+                        </a:spcAft>
+                      </a:pPr>
+                      <a:r>
+                        <a:rPr lang="de-DE" sz="1100">
+                          <a:effectLst/>
+                        </a:rPr>
+                        <a:t>Geschätzter Realisierungsaufwand</a:t>
+                      </a:r>
+                      <a:endParaRPr lang="de-DE" sz="1100">
+                        <a:effectLst/>
+                        <a:latin typeface="Calibri" panose="020F0502020204030204" pitchFamily="34" charset="0"/>
+                        <a:ea typeface="Calibri" panose="020F0502020204030204" pitchFamily="34" charset="0"/>
+                        <a:cs typeface="Times New Roman" panose="02020603050405020304" pitchFamily="18" charset="0"/>
+                      </a:endParaRPr>
+                    </a:p>
+                  </a:txBody>
+                  <a:tcPr marL="68580" marR="68580" marT="0" marB="0"/>
+                </a:tc>
+                <a:tc>
+                  <a:txBody>
+                    <a:bodyPr/>
+                    <a:lstStyle/>
+                    <a:p>
+                      <a:pPr>
+                        <a:lnSpc>
+                          <a:spcPct val="107000"/>
+                        </a:lnSpc>
+                        <a:spcAft>
+                          <a:spcPts val="0"/>
+                        </a:spcAft>
+                        <a:tabLst>
+                          <a:tab pos="1379220" algn="l"/>
+                        </a:tabLst>
+                      </a:pPr>
+                      <a:r>
+                        <a:rPr lang="de-DE" sz="1100">
+                          <a:effectLst/>
+                        </a:rPr>
+                        <a:t>Gering</a:t>
+                      </a:r>
+                      <a:endParaRPr lang="de-DE" sz="1100">
+                        <a:effectLst/>
+                        <a:latin typeface="Calibri" panose="020F0502020204030204" pitchFamily="34" charset="0"/>
+                        <a:ea typeface="Calibri" panose="020F0502020204030204" pitchFamily="34" charset="0"/>
+                        <a:cs typeface="Times New Roman" panose="02020603050405020304" pitchFamily="18" charset="0"/>
+                      </a:endParaRPr>
+                    </a:p>
+                  </a:txBody>
+                  <a:tcPr marL="68580" marR="68580" marT="0" marB="0"/>
+                </a:tc>
+                <a:extLst>
+                  <a:ext uri="{0D108BD9-81ED-4DB2-BD59-A6C34878D82A}">
+                    <a16:rowId xmlns:a16="http://schemas.microsoft.com/office/drawing/2014/main" val="2015244244"/>
+                  </a:ext>
+                </a:extLst>
+              </a:tr>
+              <a:tr h="0">
+                <a:tc>
+                  <a:txBody>
+                    <a:bodyPr/>
+                    <a:lstStyle/>
+                    <a:p>
+                      <a:pPr>
+                        <a:lnSpc>
+                          <a:spcPct val="107000"/>
+                        </a:lnSpc>
+                        <a:spcAft>
+                          <a:spcPts val="0"/>
+                        </a:spcAft>
+                      </a:pPr>
+                      <a:r>
+                        <a:rPr lang="de-DE" sz="1100">
+                          <a:effectLst/>
+                        </a:rPr>
+                        <a:t>Priorität</a:t>
+                      </a:r>
+                      <a:endParaRPr lang="de-DE" sz="1100">
+                        <a:effectLst/>
+                        <a:latin typeface="Calibri" panose="020F0502020204030204" pitchFamily="34" charset="0"/>
+                        <a:ea typeface="Calibri" panose="020F0502020204030204" pitchFamily="34" charset="0"/>
+                        <a:cs typeface="Times New Roman" panose="02020603050405020304" pitchFamily="18" charset="0"/>
+                      </a:endParaRPr>
+                    </a:p>
+                  </a:txBody>
+                  <a:tcPr marL="68580" marR="68580" marT="0" marB="0"/>
+                </a:tc>
+                <a:tc>
+                  <a:txBody>
+                    <a:bodyPr/>
+                    <a:lstStyle/>
+                    <a:p>
+                      <a:pPr>
+                        <a:lnSpc>
+                          <a:spcPct val="107000"/>
+                        </a:lnSpc>
+                        <a:spcAft>
+                          <a:spcPts val="0"/>
+                        </a:spcAft>
+                      </a:pPr>
+                      <a:r>
+                        <a:rPr lang="de-DE" sz="1100">
+                          <a:effectLst/>
+                        </a:rPr>
+                        <a:t>Mittel</a:t>
+                      </a:r>
+                      <a:endParaRPr lang="de-DE" sz="1100">
+                        <a:effectLst/>
+                        <a:latin typeface="Calibri" panose="020F0502020204030204" pitchFamily="34" charset="0"/>
+                        <a:ea typeface="Calibri" panose="020F0502020204030204" pitchFamily="34" charset="0"/>
+                        <a:cs typeface="Times New Roman" panose="02020603050405020304" pitchFamily="18" charset="0"/>
+                      </a:endParaRPr>
+                    </a:p>
+                  </a:txBody>
+                  <a:tcPr marL="68580" marR="68580" marT="0" marB="0"/>
+                </a:tc>
+                <a:extLst>
+                  <a:ext uri="{0D108BD9-81ED-4DB2-BD59-A6C34878D82A}">
+                    <a16:rowId xmlns:a16="http://schemas.microsoft.com/office/drawing/2014/main" val="3199553791"/>
+                  </a:ext>
+                </a:extLst>
+              </a:tr>
+              <a:tr h="0">
+                <a:tc>
+                  <a:txBody>
+                    <a:bodyPr/>
+                    <a:lstStyle/>
+                    <a:p>
+                      <a:pPr>
+                        <a:lnSpc>
+                          <a:spcPct val="107000"/>
+                        </a:lnSpc>
+                        <a:spcAft>
+                          <a:spcPts val="0"/>
+                        </a:spcAft>
+                      </a:pPr>
+                      <a:r>
+                        <a:rPr lang="de-DE" sz="1100">
+                          <a:effectLst/>
+                        </a:rPr>
+                        <a:t>Autor(en)</a:t>
+                      </a:r>
+                      <a:endParaRPr lang="de-DE" sz="1100">
+                        <a:effectLst/>
+                        <a:latin typeface="Calibri" panose="020F0502020204030204" pitchFamily="34" charset="0"/>
+                        <a:ea typeface="Calibri" panose="020F0502020204030204" pitchFamily="34" charset="0"/>
+                        <a:cs typeface="Times New Roman" panose="02020603050405020304" pitchFamily="18" charset="0"/>
+                      </a:endParaRPr>
+                    </a:p>
+                  </a:txBody>
+                  <a:tcPr marL="68580" marR="68580" marT="0" marB="0"/>
+                </a:tc>
+                <a:tc>
+                  <a:txBody>
+                    <a:bodyPr/>
+                    <a:lstStyle/>
+                    <a:p>
+                      <a:pPr>
+                        <a:lnSpc>
+                          <a:spcPct val="107000"/>
+                        </a:lnSpc>
+                        <a:spcAft>
+                          <a:spcPts val="0"/>
+                        </a:spcAft>
+                      </a:pPr>
+                      <a:r>
+                        <a:rPr lang="de-DE" sz="1100">
+                          <a:effectLst/>
+                        </a:rPr>
+                        <a:t>Steve Nemangou</a:t>
+                      </a:r>
+                      <a:endParaRPr lang="de-DE" sz="1100">
+                        <a:effectLst/>
+                        <a:latin typeface="Calibri" panose="020F0502020204030204" pitchFamily="34" charset="0"/>
+                        <a:ea typeface="Calibri" panose="020F0502020204030204" pitchFamily="34" charset="0"/>
+                        <a:cs typeface="Times New Roman" panose="02020603050405020304" pitchFamily="18" charset="0"/>
+                      </a:endParaRPr>
+                    </a:p>
+                  </a:txBody>
+                  <a:tcPr marL="68580" marR="68580" marT="0" marB="0"/>
+                </a:tc>
+                <a:extLst>
+                  <a:ext uri="{0D108BD9-81ED-4DB2-BD59-A6C34878D82A}">
+                    <a16:rowId xmlns:a16="http://schemas.microsoft.com/office/drawing/2014/main" val="910910238"/>
+                  </a:ext>
+                </a:extLst>
+              </a:tr>
+              <a:tr h="0">
+                <a:tc>
+                  <a:txBody>
+                    <a:bodyPr/>
+                    <a:lstStyle/>
+                    <a:p>
+                      <a:pPr>
+                        <a:lnSpc>
+                          <a:spcPct val="107000"/>
+                        </a:lnSpc>
+                        <a:spcAft>
+                          <a:spcPts val="0"/>
+                        </a:spcAft>
+                      </a:pPr>
+                      <a:r>
+                        <a:rPr lang="de-DE" sz="1100">
+                          <a:effectLst/>
+                        </a:rPr>
+                        <a:t>Abhängigkeiten zu anderen User Stories</a:t>
+                      </a:r>
+                      <a:endParaRPr lang="de-DE" sz="1100">
+                        <a:effectLst/>
+                        <a:latin typeface="Calibri" panose="020F0502020204030204" pitchFamily="34" charset="0"/>
+                        <a:ea typeface="Calibri" panose="020F0502020204030204" pitchFamily="34" charset="0"/>
+                        <a:cs typeface="Times New Roman" panose="02020603050405020304" pitchFamily="18" charset="0"/>
+                      </a:endParaRPr>
+                    </a:p>
+                  </a:txBody>
+                  <a:tcPr marL="68580" marR="68580" marT="0" marB="0"/>
+                </a:tc>
+                <a:tc>
+                  <a:txBody>
+                    <a:bodyPr/>
+                    <a:lstStyle/>
+                    <a:p>
+                      <a:pPr>
+                        <a:lnSpc>
+                          <a:spcPct val="107000"/>
+                        </a:lnSpc>
+                        <a:spcAft>
+                          <a:spcPts val="0"/>
+                        </a:spcAft>
+                      </a:pPr>
+                      <a:r>
+                        <a:rPr lang="de-DE" sz="1100">
+                          <a:effectLst/>
+                        </a:rPr>
+                        <a:t>Rundenbasiert</a:t>
+                      </a:r>
+                      <a:endParaRPr lang="de-DE" sz="1100">
+                        <a:effectLst/>
+                        <a:latin typeface="Calibri" panose="020F0502020204030204" pitchFamily="34" charset="0"/>
+                        <a:ea typeface="Calibri" panose="020F0502020204030204" pitchFamily="34" charset="0"/>
+                        <a:cs typeface="Times New Roman" panose="02020603050405020304" pitchFamily="18" charset="0"/>
+                      </a:endParaRPr>
+                    </a:p>
+                  </a:txBody>
+                  <a:tcPr marL="68580" marR="68580" marT="0" marB="0"/>
+                </a:tc>
+                <a:extLst>
+                  <a:ext uri="{0D108BD9-81ED-4DB2-BD59-A6C34878D82A}">
+                    <a16:rowId xmlns:a16="http://schemas.microsoft.com/office/drawing/2014/main" val="620598823"/>
+                  </a:ext>
+                </a:extLst>
+              </a:tr>
+              <a:tr h="0">
+                <a:tc>
+                  <a:txBody>
+                    <a:bodyPr/>
+                    <a:lstStyle/>
+                    <a:p>
+                      <a:pPr>
+                        <a:lnSpc>
+                          <a:spcPct val="107000"/>
+                        </a:lnSpc>
+                        <a:spcAft>
+                          <a:spcPts val="0"/>
+                        </a:spcAft>
+                      </a:pPr>
+                      <a:r>
+                        <a:rPr lang="de-DE" sz="1100">
+                          <a:effectLst/>
+                        </a:rPr>
+                        <a:t>Zugehörige Szenarien</a:t>
+                      </a:r>
+                      <a:endParaRPr lang="de-DE" sz="1100">
+                        <a:effectLst/>
+                        <a:latin typeface="Calibri" panose="020F0502020204030204" pitchFamily="34" charset="0"/>
+                        <a:ea typeface="Calibri" panose="020F0502020204030204" pitchFamily="34" charset="0"/>
+                        <a:cs typeface="Times New Roman" panose="02020603050405020304" pitchFamily="18" charset="0"/>
+                      </a:endParaRPr>
+                    </a:p>
+                  </a:txBody>
+                  <a:tcPr marL="68580" marR="68580" marT="0" marB="0"/>
+                </a:tc>
+                <a:tc>
+                  <a:txBody>
+                    <a:bodyPr/>
+                    <a:lstStyle/>
+                    <a:p>
+                      <a:pPr>
+                        <a:lnSpc>
+                          <a:spcPct val="107000"/>
+                        </a:lnSpc>
+                        <a:spcAft>
+                          <a:spcPts val="0"/>
+                        </a:spcAft>
+                      </a:pPr>
+                      <a:r>
+                        <a:rPr lang="de-DE" sz="1100" dirty="0">
+                          <a:effectLst/>
+                        </a:rPr>
+                        <a:t>Hauptszenario: </a:t>
+                      </a:r>
+                    </a:p>
+                    <a:p>
+                      <a:pPr marL="342900" lvl="0" indent="-342900">
+                        <a:lnSpc>
+                          <a:spcPct val="107000"/>
+                        </a:lnSpc>
+                        <a:spcAft>
+                          <a:spcPts val="0"/>
+                        </a:spcAft>
+                        <a:buFont typeface="Symbol" panose="05050102010706020507" pitchFamily="18" charset="2"/>
+                        <a:buChar char=""/>
+                      </a:pPr>
+                      <a:r>
+                        <a:rPr lang="de-DE" sz="1100" dirty="0">
+                          <a:effectLst/>
+                        </a:rPr>
+                        <a:t>1. Neuer Spieler ist am Zug</a:t>
+                      </a:r>
+                    </a:p>
+                    <a:p>
+                      <a:pPr marL="342900" lvl="0" indent="-342900">
+                        <a:lnSpc>
+                          <a:spcPct val="107000"/>
+                        </a:lnSpc>
+                        <a:spcAft>
+                          <a:spcPts val="0"/>
+                        </a:spcAft>
+                        <a:buFont typeface="Symbol" panose="05050102010706020507" pitchFamily="18" charset="2"/>
+                        <a:buChar char=""/>
+                      </a:pPr>
+                      <a:r>
+                        <a:rPr lang="de-DE" sz="1100" dirty="0">
+                          <a:effectLst/>
+                        </a:rPr>
+                        <a:t>2. Spiel gibt visuelle Rückmeldung in Form von Text</a:t>
+                      </a:r>
+                    </a:p>
+                    <a:p>
+                      <a:pPr marL="342900" lvl="0" indent="-342900">
+                        <a:lnSpc>
+                          <a:spcPct val="107000"/>
+                        </a:lnSpc>
+                        <a:spcAft>
+                          <a:spcPts val="0"/>
+                        </a:spcAft>
+                        <a:buFont typeface="Symbol" panose="05050102010706020507" pitchFamily="18" charset="2"/>
+                        <a:buChar char=""/>
+                      </a:pPr>
+                      <a:r>
+                        <a:rPr lang="de-DE" sz="1100" dirty="0">
+                          <a:effectLst/>
+                        </a:rPr>
+                        <a:t>3. Spiel ändert Aussehen des am Zug befindlichen Charakters</a:t>
+                      </a:r>
+                    </a:p>
+                    <a:p>
+                      <a:pPr>
+                        <a:lnSpc>
+                          <a:spcPct val="107000"/>
+                        </a:lnSpc>
+                        <a:spcAft>
+                          <a:spcPts val="0"/>
+                        </a:spcAft>
+                      </a:pPr>
+                      <a:r>
+                        <a:rPr lang="de-DE" sz="1100" dirty="0">
+                          <a:effectLst/>
+                        </a:rPr>
+                        <a:t>Alternativszenarien: </a:t>
+                      </a:r>
+                    </a:p>
+                    <a:p>
+                      <a:pPr>
+                        <a:lnSpc>
+                          <a:spcPct val="107000"/>
+                        </a:lnSpc>
+                        <a:spcAft>
+                          <a:spcPts val="0"/>
+                        </a:spcAft>
+                      </a:pPr>
+                      <a:r>
+                        <a:rPr lang="de-DE" sz="1100" dirty="0">
+                          <a:effectLst/>
+                        </a:rPr>
+                        <a:t>Ausnahmeszenarien:</a:t>
+                      </a:r>
+                      <a:endParaRPr lang="de-DE" sz="1100" dirty="0">
+                        <a:effectLst/>
+                        <a:latin typeface="Calibri" panose="020F0502020204030204" pitchFamily="34" charset="0"/>
+                        <a:ea typeface="Calibri" panose="020F0502020204030204" pitchFamily="34" charset="0"/>
+                        <a:cs typeface="Times New Roman" panose="02020603050405020304" pitchFamily="18" charset="0"/>
+                      </a:endParaRPr>
+                    </a:p>
+                  </a:txBody>
+                  <a:tcPr marL="68580" marR="68580" marT="0" marB="0"/>
+                </a:tc>
+                <a:extLst>
+                  <a:ext uri="{0D108BD9-81ED-4DB2-BD59-A6C34878D82A}">
+                    <a16:rowId xmlns:a16="http://schemas.microsoft.com/office/drawing/2014/main" val="1851057025"/>
+                  </a:ext>
+                </a:extLst>
+              </a:tr>
+            </a:tbl>
+          </a:graphicData>
+        </a:graphic>
+      </p:graphicFrame>
     </p:spTree>
     <p:extLst>
       <p:ext uri="{BB962C8B-B14F-4D97-AF65-F5344CB8AC3E}">
-        <p14:creationId xmlns:p14="http://schemas.microsoft.com/office/powerpoint/2010/main" val="1985239339"/>
+        <p14:creationId xmlns:p14="http://schemas.microsoft.com/office/powerpoint/2010/main" val="2722195963"/>
       </p:ext>
     </p:extLst>
   </p:cSld>
@@ -6795,7 +9461,7 @@
           <p:cNvPr id="2" name="Titel 1">
             <a:extLst>
               <a:ext uri="{FF2B5EF4-FFF2-40B4-BE49-F238E27FC236}">
-                <a16:creationId xmlns:a16="http://schemas.microsoft.com/office/drawing/2014/main" id="{E7904857-E81A-4B4E-9B11-A9F83A2B6923}"/>
+                <a16:creationId xmlns:a16="http://schemas.microsoft.com/office/drawing/2014/main" id="{4BB38913-96E6-49C9-A14E-34D20A95CE62}"/>
               </a:ext>
             </a:extLst>
           </p:cNvPr>
@@ -6812,12 +9478,8 @@
           <a:lstStyle/>
           <a:p>
             <a:r>
-              <a:rPr lang="de-DE" dirty="0" err="1"/>
-              <a:t>bMSC</a:t>
-            </a:r>
-            <a:r>
               <a:rPr lang="de-DE" dirty="0"/>
-              <a:t> - IT1 Scenario 11 M</a:t>
+              <a:t>bMSC - IT1 Rundenbasiert</a:t>
             </a:r>
           </a:p>
         </p:txBody>
@@ -6827,7 +9489,7 @@
           <p:cNvPr id="5" name="Inhaltsplatzhalter 4">
             <a:extLst>
               <a:ext uri="{FF2B5EF4-FFF2-40B4-BE49-F238E27FC236}">
-                <a16:creationId xmlns:a16="http://schemas.microsoft.com/office/drawing/2014/main" id="{DC3D3431-E226-4FCA-B63E-B8618F4E8F0C}"/>
+                <a16:creationId xmlns:a16="http://schemas.microsoft.com/office/drawing/2014/main" id="{EF2E3333-C44E-44A1-88B0-C59E8E6C4373}"/>
               </a:ext>
             </a:extLst>
           </p:cNvPr>
@@ -6846,15 +9508,50 @@
         </p:blipFill>
         <p:spPr>
           <a:xfrm>
-            <a:off x="3714750" y="1327088"/>
-            <a:ext cx="4920203" cy="4542694"/>
+            <a:off x="4084286" y="1177304"/>
+            <a:ext cx="4239582" cy="5071096"/>
           </a:xfrm>
         </p:spPr>
       </p:pic>
+      <p:sp>
+        <p:nvSpPr>
+          <p:cNvPr id="3" name="Textfeld 2">
+            <a:extLst>
+              <a:ext uri="{FF2B5EF4-FFF2-40B4-BE49-F238E27FC236}">
+                <a16:creationId xmlns:a16="http://schemas.microsoft.com/office/drawing/2014/main" id="{888986FC-0245-46B9-A672-16A5B958368C}"/>
+              </a:ext>
+            </a:extLst>
+          </p:cNvPr>
+          <p:cNvSpPr txBox="1"/>
+          <p:nvPr/>
+        </p:nvSpPr>
+        <p:spPr>
+          <a:xfrm>
+            <a:off x="9170378" y="5574323"/>
+            <a:ext cx="1890346" cy="369332"/>
+          </a:xfrm>
+          <a:prstGeom prst="rect">
+            <a:avLst/>
+          </a:prstGeom>
+          <a:noFill/>
+        </p:spPr>
+        <p:txBody>
+          <a:bodyPr wrap="square" rtlCol="0">
+            <a:spAutoFit/>
+          </a:bodyPr>
+          <a:lstStyle/>
+          <a:p>
+            <a:r>
+              <a:rPr lang="de-DE" i="1" dirty="0"/>
+              <a:t>Ibrahim Kekec</a:t>
+            </a:r>
+          </a:p>
+        </p:txBody>
+      </p:sp>
     </p:spTree>
     <p:extLst>
       <p:ext uri="{BB962C8B-B14F-4D97-AF65-F5344CB8AC3E}">
-        <p14:creationId xmlns:p14="http://schemas.microsoft.com/office/powerpoint/2010/main" val="1655300783"/>
+        <p14:creationId xmlns:p14="http://schemas.microsoft.com/office/powerpoint/2010/main" val="1985239339"/>
       </p:ext>
     </p:extLst>
   </p:cSld>
@@ -6886,7 +9583,7 @@
           <p:cNvPr id="2" name="Titel 1">
             <a:extLst>
               <a:ext uri="{FF2B5EF4-FFF2-40B4-BE49-F238E27FC236}">
-                <a16:creationId xmlns:a16="http://schemas.microsoft.com/office/drawing/2014/main" id="{1780D984-A514-4407-9170-F88A80755535}"/>
+                <a16:creationId xmlns:a16="http://schemas.microsoft.com/office/drawing/2014/main" id="{E888932E-C277-4F3D-97D3-8FE58B8A0CDF}"/>
               </a:ext>
             </a:extLst>
           </p:cNvPr>
@@ -6903,8 +9600,12 @@
           <a:lstStyle/>
           <a:p>
             <a:r>
-              <a:rPr lang="de-DE" dirty="0" err="1"/>
-              <a:t>hMSC</a:t>
+              <a:rPr lang="de-DE" dirty="0"/>
+              <a:t>bMSC - </a:t>
+            </a:r>
+            <a:r>
+              <a:rPr lang="it-IT" dirty="0"/>
+              <a:t>IT1 Angreifen</a:t>
             </a:r>
             <a:endParaRPr lang="de-DE" dirty="0"/>
           </a:p>
@@ -6912,10 +9613,10 @@
       </p:sp>
       <p:pic>
         <p:nvPicPr>
-          <p:cNvPr id="5" name="Inhaltsplatzhalter 4">
+          <p:cNvPr id="7" name="Inhaltsplatzhalter 6">
             <a:extLst>
               <a:ext uri="{FF2B5EF4-FFF2-40B4-BE49-F238E27FC236}">
-                <a16:creationId xmlns:a16="http://schemas.microsoft.com/office/drawing/2014/main" id="{A24C39DC-3302-4F72-A65A-F36ED8FF6C90}"/>
+                <a16:creationId xmlns:a16="http://schemas.microsoft.com/office/drawing/2014/main" id="{A074AEC7-CE3B-4C71-BDF5-A02E9802BE4E}"/>
               </a:ext>
             </a:extLst>
           </p:cNvPr>
@@ -6934,15 +9635,50 @@
         </p:blipFill>
         <p:spPr>
           <a:xfrm>
-            <a:off x="3783599" y="617149"/>
-            <a:ext cx="4813645" cy="5631251"/>
+            <a:off x="3841404" y="1387722"/>
+            <a:ext cx="4150803" cy="5017560"/>
           </a:xfrm>
         </p:spPr>
       </p:pic>
+      <p:sp>
+        <p:nvSpPr>
+          <p:cNvPr id="8" name="Textfeld 7">
+            <a:extLst>
+              <a:ext uri="{FF2B5EF4-FFF2-40B4-BE49-F238E27FC236}">
+                <a16:creationId xmlns:a16="http://schemas.microsoft.com/office/drawing/2014/main" id="{00579840-8618-495E-B06C-F5FAF18DE553}"/>
+              </a:ext>
+            </a:extLst>
+          </p:cNvPr>
+          <p:cNvSpPr txBox="1"/>
+          <p:nvPr/>
+        </p:nvSpPr>
+        <p:spPr>
+          <a:xfrm>
+            <a:off x="9627577" y="5732585"/>
+            <a:ext cx="1802423" cy="369332"/>
+          </a:xfrm>
+          <a:prstGeom prst="rect">
+            <a:avLst/>
+          </a:prstGeom>
+          <a:noFill/>
+        </p:spPr>
+        <p:txBody>
+          <a:bodyPr wrap="square" rtlCol="0">
+            <a:spAutoFit/>
+          </a:bodyPr>
+          <a:lstStyle/>
+          <a:p>
+            <a:r>
+              <a:rPr lang="de-DE" i="1" dirty="0"/>
+              <a:t>Tarik Karaca</a:t>
+            </a:r>
+          </a:p>
+        </p:txBody>
+      </p:sp>
     </p:spTree>
     <p:extLst>
       <p:ext uri="{BB962C8B-B14F-4D97-AF65-F5344CB8AC3E}">
-        <p14:creationId xmlns:p14="http://schemas.microsoft.com/office/powerpoint/2010/main" val="492136441"/>
+        <p14:creationId xmlns:p14="http://schemas.microsoft.com/office/powerpoint/2010/main" val="4108937875"/>
       </p:ext>
     </p:extLst>
   </p:cSld>
@@ -6974,7 +9710,7 @@
           <p:cNvPr id="2" name="Titel 1">
             <a:extLst>
               <a:ext uri="{FF2B5EF4-FFF2-40B4-BE49-F238E27FC236}">
-                <a16:creationId xmlns:a16="http://schemas.microsoft.com/office/drawing/2014/main" id="{B80F63F0-4926-4EA5-A656-FF9BEDBA5C74}"/>
+                <a16:creationId xmlns:a16="http://schemas.microsoft.com/office/drawing/2014/main" id="{E7904857-E81A-4B4E-9B11-A9F83A2B6923}"/>
               </a:ext>
             </a:extLst>
           </p:cNvPr>
@@ -6992,7 +9728,7 @@
           <a:p>
             <a:r>
               <a:rPr lang="de-DE" dirty="0"/>
-              <a:t>Spiel Vorstellung</a:t>
+              <a:t>bMSC - IT1 Neuer Spieler am Zug</a:t>
             </a:r>
           </a:p>
         </p:txBody>
@@ -7002,7 +9738,7 @@
           <p:cNvPr id="5" name="Inhaltsplatzhalter 4">
             <a:extLst>
               <a:ext uri="{FF2B5EF4-FFF2-40B4-BE49-F238E27FC236}">
-                <a16:creationId xmlns:a16="http://schemas.microsoft.com/office/drawing/2014/main" id="{5756C689-D7B5-448E-862D-9BB88F5ADF25}"/>
+                <a16:creationId xmlns:a16="http://schemas.microsoft.com/office/drawing/2014/main" id="{DC3D3431-E226-4FCA-B63E-B8618F4E8F0C}"/>
               </a:ext>
             </a:extLst>
           </p:cNvPr>
@@ -7021,15 +9757,50 @@
         </p:blipFill>
         <p:spPr>
           <a:xfrm>
-            <a:off x="2578648" y="1455543"/>
-            <a:ext cx="6849832" cy="4792857"/>
+            <a:off x="3714750" y="1327088"/>
+            <a:ext cx="4920203" cy="4542694"/>
           </a:xfrm>
         </p:spPr>
       </p:pic>
+      <p:sp>
+        <p:nvSpPr>
+          <p:cNvPr id="3" name="Textfeld 2">
+            <a:extLst>
+              <a:ext uri="{FF2B5EF4-FFF2-40B4-BE49-F238E27FC236}">
+                <a16:creationId xmlns:a16="http://schemas.microsoft.com/office/drawing/2014/main" id="{21E9B8EB-ECEF-4B9D-A411-EB4685ACC8D6}"/>
+              </a:ext>
+            </a:extLst>
+          </p:cNvPr>
+          <p:cNvSpPr txBox="1"/>
+          <p:nvPr/>
+        </p:nvSpPr>
+        <p:spPr>
+          <a:xfrm>
+            <a:off x="9522069" y="5460023"/>
+            <a:ext cx="2181523" cy="369332"/>
+          </a:xfrm>
+          <a:prstGeom prst="rect">
+            <a:avLst/>
+          </a:prstGeom>
+          <a:noFill/>
+        </p:spPr>
+        <p:txBody>
+          <a:bodyPr wrap="square" rtlCol="0">
+            <a:spAutoFit/>
+          </a:bodyPr>
+          <a:lstStyle/>
+          <a:p>
+            <a:r>
+              <a:rPr lang="de-DE" i="1" dirty="0"/>
+              <a:t>Julian Flieter</a:t>
+            </a:r>
+          </a:p>
+        </p:txBody>
+      </p:sp>
     </p:spTree>
     <p:extLst>
       <p:ext uri="{BB962C8B-B14F-4D97-AF65-F5344CB8AC3E}">
-        <p14:creationId xmlns:p14="http://schemas.microsoft.com/office/powerpoint/2010/main" val="439512913"/>
+        <p14:creationId xmlns:p14="http://schemas.microsoft.com/office/powerpoint/2010/main" val="1655300783"/>
       </p:ext>
     </p:extLst>
   </p:cSld>

--- a/Dokumentation/SEP Gruppe L - Swat Engagement Pheretima.pptx
+++ b/Dokumentation/SEP Gruppe L - Swat Engagement Pheretima.pptx
@@ -309,7 +309,7 @@
           <a:p>
             <a:fld id="{4AAD347D-5ACD-4C99-B74B-A9C85AD731AF}" type="datetimeFigureOut">
               <a:rPr lang="en-US" dirty="0"/>
-              <a:t>5/10/2018</a:t>
+              <a:t>5/13/2018</a:t>
             </a:fld>
             <a:endParaRPr lang="en-US" dirty="0"/>
           </a:p>
@@ -579,7 +579,7 @@
           <a:p>
             <a:fld id="{4509A250-FF31-4206-8172-F9D3106AACB1}" type="datetimeFigureOut">
               <a:rPr lang="en-US" dirty="0"/>
-              <a:t>5/10/2018</a:t>
+              <a:t>5/13/2018</a:t>
             </a:fld>
             <a:endParaRPr lang="en-US" dirty="0"/>
           </a:p>
@@ -768,7 +768,7 @@
           <a:p>
             <a:fld id="{4509A250-FF31-4206-8172-F9D3106AACB1}" type="datetimeFigureOut">
               <a:rPr lang="en-US" dirty="0"/>
-              <a:t>5/10/2018</a:t>
+              <a:t>5/13/2018</a:t>
             </a:fld>
             <a:endParaRPr lang="en-US" dirty="0"/>
           </a:p>
@@ -1036,7 +1036,7 @@
           <a:p>
             <a:fld id="{4509A250-FF31-4206-8172-F9D3106AACB1}" type="datetimeFigureOut">
               <a:rPr lang="en-US" dirty="0"/>
-              <a:t>5/10/2018</a:t>
+              <a:t>5/13/2018</a:t>
             </a:fld>
             <a:endParaRPr lang="en-US" dirty="0"/>
           </a:p>
@@ -1372,7 +1372,7 @@
           <a:p>
             <a:fld id="{4509A250-FF31-4206-8172-F9D3106AACB1}" type="datetimeFigureOut">
               <a:rPr lang="en-US" dirty="0"/>
-              <a:t>5/10/2018</a:t>
+              <a:t>5/13/2018</a:t>
             </a:fld>
             <a:endParaRPr lang="en-US" dirty="0"/>
           </a:p>
@@ -1990,7 +1990,7 @@
           <a:p>
             <a:fld id="{4509A250-FF31-4206-8172-F9D3106AACB1}" type="datetimeFigureOut">
               <a:rPr lang="en-US" dirty="0"/>
-              <a:t>5/10/2018</a:t>
+              <a:t>5/13/2018</a:t>
             </a:fld>
             <a:endParaRPr lang="en-US" dirty="0"/>
           </a:p>
@@ -2845,7 +2845,7 @@
           <a:p>
             <a:fld id="{4509A250-FF31-4206-8172-F9D3106AACB1}" type="datetimeFigureOut">
               <a:rPr lang="en-US" dirty="0"/>
-              <a:t>5/10/2018</a:t>
+              <a:t>5/13/2018</a:t>
             </a:fld>
             <a:endParaRPr lang="en-US" dirty="0"/>
           </a:p>
@@ -3010,7 +3010,7 @@
           <a:p>
             <a:fld id="{4509A250-FF31-4206-8172-F9D3106AACB1}" type="datetimeFigureOut">
               <a:rPr lang="en-US" dirty="0"/>
-              <a:t>5/10/2018</a:t>
+              <a:t>5/13/2018</a:t>
             </a:fld>
             <a:endParaRPr lang="en-US" dirty="0"/>
           </a:p>
@@ -3185,7 +3185,7 @@
           <a:p>
             <a:fld id="{4509A250-FF31-4206-8172-F9D3106AACB1}" type="datetimeFigureOut">
               <a:rPr lang="en-US" dirty="0"/>
-              <a:t>5/10/2018</a:t>
+              <a:t>5/13/2018</a:t>
             </a:fld>
             <a:endParaRPr lang="en-US" dirty="0"/>
           </a:p>
@@ -3350,7 +3350,7 @@
           <a:p>
             <a:fld id="{4509A250-FF31-4206-8172-F9D3106AACB1}" type="datetimeFigureOut">
               <a:rPr lang="en-US" dirty="0"/>
-              <a:t>5/10/2018</a:t>
+              <a:t>5/13/2018</a:t>
             </a:fld>
             <a:endParaRPr lang="en-US" dirty="0"/>
           </a:p>
@@ -3592,7 +3592,7 @@
           <a:p>
             <a:fld id="{9796027F-7875-4030-9381-8BD8C4F21935}" type="datetimeFigureOut">
               <a:rPr lang="en-US" dirty="0"/>
-              <a:t>5/10/2018</a:t>
+              <a:t>5/13/2018</a:t>
             </a:fld>
             <a:endParaRPr lang="en-US" dirty="0"/>
           </a:p>
@@ -3879,7 +3879,7 @@
           <a:p>
             <a:fld id="{9796027F-7875-4030-9381-8BD8C4F21935}" type="datetimeFigureOut">
               <a:rPr lang="en-US" dirty="0"/>
-              <a:t>5/10/2018</a:t>
+              <a:t>5/13/2018</a:t>
             </a:fld>
             <a:endParaRPr lang="en-US" dirty="0"/>
           </a:p>
@@ -4318,7 +4318,7 @@
           <a:p>
             <a:fld id="{9796027F-7875-4030-9381-8BD8C4F21935}" type="datetimeFigureOut">
               <a:rPr lang="en-US" dirty="0"/>
-              <a:t>5/10/2018</a:t>
+              <a:t>5/13/2018</a:t>
             </a:fld>
             <a:endParaRPr lang="en-US" dirty="0"/>
           </a:p>
@@ -4431,7 +4431,7 @@
           <a:p>
             <a:fld id="{4509A250-FF31-4206-8172-F9D3106AACB1}" type="datetimeFigureOut">
               <a:rPr lang="en-US" dirty="0"/>
-              <a:t>5/10/2018</a:t>
+              <a:t>5/13/2018</a:t>
             </a:fld>
             <a:endParaRPr lang="en-US" dirty="0"/>
           </a:p>
@@ -4521,7 +4521,7 @@
           <a:p>
             <a:fld id="{4509A250-FF31-4206-8172-F9D3106AACB1}" type="datetimeFigureOut">
               <a:rPr lang="en-US" dirty="0"/>
-              <a:t>5/10/2018</a:t>
+              <a:t>5/13/2018</a:t>
             </a:fld>
             <a:endParaRPr lang="en-US" dirty="0"/>
           </a:p>
@@ -4795,7 +4795,7 @@
           <a:p>
             <a:fld id="{4509A250-FF31-4206-8172-F9D3106AACB1}" type="datetimeFigureOut">
               <a:rPr lang="en-US" dirty="0"/>
-              <a:t>5/10/2018</a:t>
+              <a:t>5/13/2018</a:t>
             </a:fld>
             <a:endParaRPr lang="en-US" dirty="0"/>
           </a:p>
@@ -5065,7 +5065,7 @@
           <a:p>
             <a:fld id="{4509A250-FF31-4206-8172-F9D3106AACB1}" type="datetimeFigureOut">
               <a:rPr lang="en-US" dirty="0"/>
-              <a:t>5/10/2018</a:t>
+              <a:t>5/13/2018</a:t>
             </a:fld>
             <a:endParaRPr lang="en-US" dirty="0"/>
           </a:p>
@@ -5489,7 +5489,7 @@
           <a:p>
             <a:fld id="{4AAD347D-5ACD-4C99-B74B-A9C85AD731AF}" type="datetimeFigureOut">
               <a:rPr lang="en-US" dirty="0"/>
-              <a:t>5/10/2018</a:t>
+              <a:t>5/13/2018</a:t>
             </a:fld>
             <a:endParaRPr lang="en-US" dirty="0"/>
           </a:p>
@@ -8108,7 +8108,7 @@
             <p:ph idx="1"/>
             <p:extLst>
               <p:ext uri="{D42A27DB-BD31-4B8C-83A1-F6EECF244321}">
-                <p14:modId xmlns:p14="http://schemas.microsoft.com/office/powerpoint/2010/main" val="916022742"/>
+                <p14:modId xmlns:p14="http://schemas.microsoft.com/office/powerpoint/2010/main" val="1453721343"/>
               </p:ext>
             </p:extLst>
           </p:nvPr>
@@ -8600,7 +8600,7 @@
                         <a:rPr lang="de-DE" sz="1100" dirty="0">
                           <a:effectLst/>
                         </a:rPr>
-                        <a:t>1. Spieler wählt angreifen</a:t>
+                        <a:t>1. Spieler kann angreifen</a:t>
                       </a:r>
                     </a:p>
                     <a:p>
@@ -8706,7 +8706,7 @@
                         <a:rPr lang="de-DE" sz="1100" dirty="0">
                           <a:effectLst/>
                         </a:rPr>
-                        <a:t>1. Spieler wählt angreifen</a:t>
+                        <a:t>1. Spieler kann angreifen</a:t>
                       </a:r>
                     </a:p>
                     <a:p>
@@ -9611,35 +9611,6 @@
           </a:p>
         </p:txBody>
       </p:sp>
-      <p:pic>
-        <p:nvPicPr>
-          <p:cNvPr id="7" name="Inhaltsplatzhalter 6">
-            <a:extLst>
-              <a:ext uri="{FF2B5EF4-FFF2-40B4-BE49-F238E27FC236}">
-                <a16:creationId xmlns:a16="http://schemas.microsoft.com/office/drawing/2014/main" id="{A074AEC7-CE3B-4C71-BDF5-A02E9802BE4E}"/>
-              </a:ext>
-            </a:extLst>
-          </p:cNvPr>
-          <p:cNvPicPr>
-            <a:picLocks noGrp="1" noChangeAspect="1"/>
-          </p:cNvPicPr>
-          <p:nvPr>
-            <p:ph idx="1"/>
-          </p:nvPr>
-        </p:nvPicPr>
-        <p:blipFill>
-          <a:blip r:embed="rId2"/>
-          <a:stretch>
-            <a:fillRect/>
-          </a:stretch>
-        </p:blipFill>
-        <p:spPr>
-          <a:xfrm>
-            <a:off x="3841404" y="1387722"/>
-            <a:ext cx="4150803" cy="5017560"/>
-          </a:xfrm>
-        </p:spPr>
-      </p:pic>
       <p:sp>
         <p:nvSpPr>
           <p:cNvPr id="8" name="Textfeld 7">
@@ -9675,6 +9646,35 @@
           </a:p>
         </p:txBody>
       </p:sp>
+      <p:pic>
+        <p:nvPicPr>
+          <p:cNvPr id="16" name="Inhaltsplatzhalter 15">
+            <a:extLst>
+              <a:ext uri="{FF2B5EF4-FFF2-40B4-BE49-F238E27FC236}">
+                <a16:creationId xmlns:a16="http://schemas.microsoft.com/office/drawing/2014/main" id="{96825A31-5EEE-4A5C-BFBE-3D62F778DF50}"/>
+              </a:ext>
+            </a:extLst>
+          </p:cNvPr>
+          <p:cNvPicPr>
+            <a:picLocks noGrp="1" noChangeAspect="1"/>
+          </p:cNvPicPr>
+          <p:nvPr>
+            <p:ph idx="1"/>
+          </p:nvPr>
+        </p:nvPicPr>
+        <p:blipFill>
+          <a:blip r:embed="rId2"/>
+          <a:stretch>
+            <a:fillRect/>
+          </a:stretch>
+        </p:blipFill>
+        <p:spPr>
+          <a:xfrm>
+            <a:off x="3749879" y="1536822"/>
+            <a:ext cx="4387397" cy="4644975"/>
+          </a:xfrm>
+        </p:spPr>
+      </p:pic>
     </p:spTree>
     <p:extLst>
       <p:ext uri="{BB962C8B-B14F-4D97-AF65-F5344CB8AC3E}">

--- a/Dokumentation/SEP Gruppe L - Swat Engagement Pheretima.pptx
+++ b/Dokumentation/SEP Gruppe L - Swat Engagement Pheretima.pptx
@@ -309,7 +309,7 @@
           <a:p>
             <a:fld id="{4AAD347D-5ACD-4C99-B74B-A9C85AD731AF}" type="datetimeFigureOut">
               <a:rPr lang="en-US" dirty="0"/>
-              <a:t>5/10/2018</a:t>
+              <a:t>5/13/2018</a:t>
             </a:fld>
             <a:endParaRPr lang="en-US" dirty="0"/>
           </a:p>
@@ -579,7 +579,7 @@
           <a:p>
             <a:fld id="{4509A250-FF31-4206-8172-F9D3106AACB1}" type="datetimeFigureOut">
               <a:rPr lang="en-US" dirty="0"/>
-              <a:t>5/10/2018</a:t>
+              <a:t>5/13/2018</a:t>
             </a:fld>
             <a:endParaRPr lang="en-US" dirty="0"/>
           </a:p>
@@ -768,7 +768,7 @@
           <a:p>
             <a:fld id="{4509A250-FF31-4206-8172-F9D3106AACB1}" type="datetimeFigureOut">
               <a:rPr lang="en-US" dirty="0"/>
-              <a:t>5/10/2018</a:t>
+              <a:t>5/13/2018</a:t>
             </a:fld>
             <a:endParaRPr lang="en-US" dirty="0"/>
           </a:p>
@@ -1036,7 +1036,7 @@
           <a:p>
             <a:fld id="{4509A250-FF31-4206-8172-F9D3106AACB1}" type="datetimeFigureOut">
               <a:rPr lang="en-US" dirty="0"/>
-              <a:t>5/10/2018</a:t>
+              <a:t>5/13/2018</a:t>
             </a:fld>
             <a:endParaRPr lang="en-US" dirty="0"/>
           </a:p>
@@ -1372,7 +1372,7 @@
           <a:p>
             <a:fld id="{4509A250-FF31-4206-8172-F9D3106AACB1}" type="datetimeFigureOut">
               <a:rPr lang="en-US" dirty="0"/>
-              <a:t>5/10/2018</a:t>
+              <a:t>5/13/2018</a:t>
             </a:fld>
             <a:endParaRPr lang="en-US" dirty="0"/>
           </a:p>
@@ -1990,7 +1990,7 @@
           <a:p>
             <a:fld id="{4509A250-FF31-4206-8172-F9D3106AACB1}" type="datetimeFigureOut">
               <a:rPr lang="en-US" dirty="0"/>
-              <a:t>5/10/2018</a:t>
+              <a:t>5/13/2018</a:t>
             </a:fld>
             <a:endParaRPr lang="en-US" dirty="0"/>
           </a:p>
@@ -2845,7 +2845,7 @@
           <a:p>
             <a:fld id="{4509A250-FF31-4206-8172-F9D3106AACB1}" type="datetimeFigureOut">
               <a:rPr lang="en-US" dirty="0"/>
-              <a:t>5/10/2018</a:t>
+              <a:t>5/13/2018</a:t>
             </a:fld>
             <a:endParaRPr lang="en-US" dirty="0"/>
           </a:p>
@@ -3010,7 +3010,7 @@
           <a:p>
             <a:fld id="{4509A250-FF31-4206-8172-F9D3106AACB1}" type="datetimeFigureOut">
               <a:rPr lang="en-US" dirty="0"/>
-              <a:t>5/10/2018</a:t>
+              <a:t>5/13/2018</a:t>
             </a:fld>
             <a:endParaRPr lang="en-US" dirty="0"/>
           </a:p>
@@ -3185,7 +3185,7 @@
           <a:p>
             <a:fld id="{4509A250-FF31-4206-8172-F9D3106AACB1}" type="datetimeFigureOut">
               <a:rPr lang="en-US" dirty="0"/>
-              <a:t>5/10/2018</a:t>
+              <a:t>5/13/2018</a:t>
             </a:fld>
             <a:endParaRPr lang="en-US" dirty="0"/>
           </a:p>
@@ -3350,7 +3350,7 @@
           <a:p>
             <a:fld id="{4509A250-FF31-4206-8172-F9D3106AACB1}" type="datetimeFigureOut">
               <a:rPr lang="en-US" dirty="0"/>
-              <a:t>5/10/2018</a:t>
+              <a:t>5/13/2018</a:t>
             </a:fld>
             <a:endParaRPr lang="en-US" dirty="0"/>
           </a:p>
@@ -3592,7 +3592,7 @@
           <a:p>
             <a:fld id="{9796027F-7875-4030-9381-8BD8C4F21935}" type="datetimeFigureOut">
               <a:rPr lang="en-US" dirty="0"/>
-              <a:t>5/10/2018</a:t>
+              <a:t>5/13/2018</a:t>
             </a:fld>
             <a:endParaRPr lang="en-US" dirty="0"/>
           </a:p>
@@ -3879,7 +3879,7 @@
           <a:p>
             <a:fld id="{9796027F-7875-4030-9381-8BD8C4F21935}" type="datetimeFigureOut">
               <a:rPr lang="en-US" dirty="0"/>
-              <a:t>5/10/2018</a:t>
+              <a:t>5/13/2018</a:t>
             </a:fld>
             <a:endParaRPr lang="en-US" dirty="0"/>
           </a:p>
@@ -4318,7 +4318,7 @@
           <a:p>
             <a:fld id="{9796027F-7875-4030-9381-8BD8C4F21935}" type="datetimeFigureOut">
               <a:rPr lang="en-US" dirty="0"/>
-              <a:t>5/10/2018</a:t>
+              <a:t>5/13/2018</a:t>
             </a:fld>
             <a:endParaRPr lang="en-US" dirty="0"/>
           </a:p>
@@ -4431,7 +4431,7 @@
           <a:p>
             <a:fld id="{4509A250-FF31-4206-8172-F9D3106AACB1}" type="datetimeFigureOut">
               <a:rPr lang="en-US" dirty="0"/>
-              <a:t>5/10/2018</a:t>
+              <a:t>5/13/2018</a:t>
             </a:fld>
             <a:endParaRPr lang="en-US" dirty="0"/>
           </a:p>
@@ -4521,7 +4521,7 @@
           <a:p>
             <a:fld id="{4509A250-FF31-4206-8172-F9D3106AACB1}" type="datetimeFigureOut">
               <a:rPr lang="en-US" dirty="0"/>
-              <a:t>5/10/2018</a:t>
+              <a:t>5/13/2018</a:t>
             </a:fld>
             <a:endParaRPr lang="en-US" dirty="0"/>
           </a:p>
@@ -4795,7 +4795,7 @@
           <a:p>
             <a:fld id="{4509A250-FF31-4206-8172-F9D3106AACB1}" type="datetimeFigureOut">
               <a:rPr lang="en-US" dirty="0"/>
-              <a:t>5/10/2018</a:t>
+              <a:t>5/13/2018</a:t>
             </a:fld>
             <a:endParaRPr lang="en-US" dirty="0"/>
           </a:p>
@@ -5065,7 +5065,7 @@
           <a:p>
             <a:fld id="{4509A250-FF31-4206-8172-F9D3106AACB1}" type="datetimeFigureOut">
               <a:rPr lang="en-US" dirty="0"/>
-              <a:t>5/10/2018</a:t>
+              <a:t>5/13/2018</a:t>
             </a:fld>
             <a:endParaRPr lang="en-US" dirty="0"/>
           </a:p>
@@ -5489,7 +5489,7 @@
           <a:p>
             <a:fld id="{4AAD347D-5ACD-4C99-B74B-A9C85AD731AF}" type="datetimeFigureOut">
               <a:rPr lang="en-US" dirty="0"/>
-              <a:t>5/10/2018</a:t>
+              <a:t>5/13/2018</a:t>
             </a:fld>
             <a:endParaRPr lang="en-US" dirty="0"/>
           </a:p>
@@ -6276,10 +6276,10 @@
       </p:sp>
       <p:pic>
         <p:nvPicPr>
-          <p:cNvPr id="11" name="Inhaltsplatzhalter 10">
+          <p:cNvPr id="6" name="Inhaltsplatzhalter 5">
             <a:extLst>
               <a:ext uri="{FF2B5EF4-FFF2-40B4-BE49-F238E27FC236}">
-                <a16:creationId xmlns:a16="http://schemas.microsoft.com/office/drawing/2014/main" id="{590D4940-9C85-4D1C-BA2C-8BD18689616B}"/>
+                <a16:creationId xmlns:a16="http://schemas.microsoft.com/office/drawing/2014/main" id="{B89B4DEA-E70F-4FCD-8D40-9A51D9E0C1AC}"/>
               </a:ext>
             </a:extLst>
           </p:cNvPr>
@@ -6298,8 +6298,8 @@
         </p:blipFill>
         <p:spPr>
           <a:xfrm>
-            <a:off x="2380117" y="1318888"/>
-            <a:ext cx="7431765" cy="5161559"/>
+            <a:off x="2578648" y="1356017"/>
+            <a:ext cx="6992072" cy="4892383"/>
           </a:xfrm>
         </p:spPr>
       </p:pic>
